--- a/October2025/Edinburgh_Manipulator.pptx
+++ b/October2025/Edinburgh_Manipulator.pptx
@@ -15506,7 +15506,7 @@
           <p:nvPr>
             <p:extLst>
               <p:ext uri="{D42A27DB-BD31-4B8C-83A1-F6EECF244321}">
-                <p14:modId xmlns:p14="http://schemas.microsoft.com/office/powerpoint/2010/main" val="987217086"/>
+                <p14:modId xmlns:p14="http://schemas.microsoft.com/office/powerpoint/2010/main" val="2093868723"/>
               </p:ext>
             </p:extLst>
           </p:nvPr>
@@ -16278,95 +16278,6 @@
       </p:sp>
       <p:sp>
         <p:nvSpPr>
-          <p:cNvPr id="21" name="TextBox 20">
-            <a:extLst>
-              <a:ext uri="{FF2B5EF4-FFF2-40B4-BE49-F238E27FC236}">
-                <a16:creationId xmlns:a16="http://schemas.microsoft.com/office/drawing/2014/main" id="{8FBF420D-0400-02B9-AF96-850CAF97BC36}"/>
-              </a:ext>
-            </a:extLst>
-          </p:cNvPr>
-          <p:cNvSpPr txBox="1"/>
-          <p:nvPr/>
-        </p:nvSpPr>
-        <p:spPr bwMode="auto">
-          <a:xfrm>
-            <a:off x="1003515" y="20253479"/>
-            <a:ext cx="8954963" cy="561564"/>
-          </a:xfrm>
-          <a:prstGeom prst="rect">
-            <a:avLst/>
-          </a:prstGeom>
-          <a:noFill/>
-          <a:ln w="9525">
-            <a:noFill/>
-            <a:miter lim="800000"/>
-            <a:headEnd/>
-            <a:tailEnd/>
-          </a:ln>
-          <a:effectLst/>
-        </p:spPr>
-        <p:txBody>
-          <a:bodyPr wrap="square" lIns="0" tIns="0" rIns="0" bIns="0" rtlCol="0">
-            <a:spAutoFit/>
-          </a:bodyPr>
-          <a:lstStyle/>
-          <a:p>
-            <a:pPr marL="455613" indent="-455613" algn="ctr" defTabSz="2952750" eaLnBrk="0" hangingPunct="0">
-              <a:lnSpc>
-                <a:spcPct val="105000"/>
-              </a:lnSpc>
-              <a:spcBef>
-                <a:spcPts val="4400"/>
-              </a:spcBef>
-              <a:spcAft>
-                <a:spcPts val="0"/>
-              </a:spcAft>
-              <a:buClr>
-                <a:schemeClr val="tx2"/>
-              </a:buClr>
-            </a:pPr>
-            <a:r>
-              <a:rPr lang="en-US" sz="1800" b="1" kern="0" dirty="0">
-                <a:solidFill>
-                  <a:schemeClr val="accent1"/>
-                </a:solidFill>
-                <a:latin typeface="Arial" panose="020B0604020202020204" pitchFamily="34" charset="0"/>
-                <a:cs typeface="Arial" panose="020B0604020202020204" pitchFamily="34" charset="0"/>
-              </a:rPr>
-              <a:t>Figure 2</a:t>
-            </a:r>
-            <a:r>
-              <a:rPr lang="en-US" sz="1800" b="1" i="1" kern="0" dirty="0">
-                <a:solidFill>
-                  <a:schemeClr val="accent1"/>
-                </a:solidFill>
-                <a:latin typeface="Arial" panose="020B0604020202020204" pitchFamily="34" charset="0"/>
-                <a:cs typeface="Arial" panose="020B0604020202020204" pitchFamily="34" charset="0"/>
-              </a:rPr>
-              <a:t>: </a:t>
-            </a:r>
-            <a:r>
-              <a:rPr lang="en-US" sz="1800" i="1" kern="0" dirty="0">
-                <a:solidFill>
-                  <a:schemeClr val="accent1"/>
-                </a:solidFill>
-                <a:latin typeface="Arial" panose="020B0604020202020204" pitchFamily="34" charset="0"/>
-                <a:cs typeface="Arial" panose="020B0604020202020204" pitchFamily="34" charset="0"/>
-              </a:rPr>
-              <a:t>Reference, simulation and hardware trajectories, including the home position, target position, control points and the associated sphere.</a:t>
-            </a:r>
-            <a:endParaRPr lang="en-GB" sz="1800" i="1" kern="0" dirty="0">
-              <a:solidFill>
-                <a:schemeClr val="accent1"/>
-              </a:solidFill>
-              <a:latin typeface="Arial" panose="020B0604020202020204" pitchFamily="34" charset="0"/>
-              <a:cs typeface="Arial" panose="020B0604020202020204" pitchFamily="34" charset="0"/>
-            </a:endParaRPr>
-          </a:p>
-        </p:txBody>
-      </p:sp>
-      <p:sp>
-        <p:nvSpPr>
           <p:cNvPr id="22" name="TextBox 21">
             <a:extLst>
               <a:ext uri="{FF2B5EF4-FFF2-40B4-BE49-F238E27FC236}">
@@ -16379,7 +16290,7 @@
         </p:nvSpPr>
         <p:spPr bwMode="auto">
           <a:xfrm>
-            <a:off x="284831" y="22983489"/>
+            <a:off x="284831" y="22643895"/>
             <a:ext cx="9748815" cy="270715"/>
           </a:xfrm>
           <a:prstGeom prst="rect">
@@ -17769,42 +17680,6 @@
       </p:pic>
       <p:pic>
         <p:nvPicPr>
-          <p:cNvPr id="36" name="Picture 35" descr="A diagram of a space&#10;&#10;AI-generated content may be incorrect.">
-            <a:extLst>
-              <a:ext uri="{FF2B5EF4-FFF2-40B4-BE49-F238E27FC236}">
-                <a16:creationId xmlns:a16="http://schemas.microsoft.com/office/drawing/2014/main" id="{BDF60643-300F-75B0-26C5-2F31BE3379C1}"/>
-              </a:ext>
-            </a:extLst>
-          </p:cNvPr>
-          <p:cNvPicPr>
-            <a:picLocks/>
-          </p:cNvPicPr>
-          <p:nvPr/>
-        </p:nvPicPr>
-        <p:blipFill>
-          <a:blip r:embed="rId4" cstate="print">
-            <a:extLst>
-              <a:ext uri="{28A0092B-C50C-407E-A947-70E740481C1C}">
-                <a14:useLocalDpi xmlns:a14="http://schemas.microsoft.com/office/drawing/2010/main" val="0"/>
-              </a:ext>
-            </a:extLst>
-          </a:blip>
-          <a:stretch>
-            <a:fillRect/>
-          </a:stretch>
-        </p:blipFill>
-        <p:spPr>
-          <a:xfrm>
-            <a:off x="1003515" y="14485713"/>
-            <a:ext cx="9000000" cy="5619221"/>
-          </a:xfrm>
-          <a:prstGeom prst="roundRect">
-            <a:avLst/>
-          </a:prstGeom>
-        </p:spPr>
-      </p:pic>
-      <p:pic>
-        <p:nvPicPr>
           <p:cNvPr id="38" name="Picture 37" descr="A graph of a graph&#10;&#10;AI-generated content may be incorrect.">
             <a:extLst>
               <a:ext uri="{FF2B5EF4-FFF2-40B4-BE49-F238E27FC236}">
@@ -17818,7 +17693,7 @@
           <p:nvPr/>
         </p:nvPicPr>
         <p:blipFill>
-          <a:blip r:embed="rId5" cstate="print">
+          <a:blip r:embed="rId4" cstate="print">
             <a:extLst>
               <a:ext uri="{28A0092B-C50C-407E-A947-70E740481C1C}">
                 <a14:useLocalDpi xmlns:a14="http://schemas.microsoft.com/office/drawing/2010/main" val="0"/>
@@ -17854,7 +17729,7 @@
           <p:nvPr/>
         </p:nvPicPr>
         <p:blipFill>
-          <a:blip r:embed="rId6" cstate="print">
+          <a:blip r:embed="rId5" cstate="print">
             <a:extLst>
               <a:ext uri="{28A0092B-C50C-407E-A947-70E740481C1C}">
                 <a14:useLocalDpi xmlns:a14="http://schemas.microsoft.com/office/drawing/2010/main" val="0"/>
@@ -17890,10 +17765,10 @@
           <p:nvPr/>
         </p:nvPicPr>
         <p:blipFill>
-          <a:blip r:embed="rId7">
+          <a:blip r:embed="rId6">
             <a:extLst>
               <a:ext uri="{96DAC541-7B7A-43D3-8B79-37D633B846F1}">
-                <asvg:svgBlip xmlns:asvg="http://schemas.microsoft.com/office/drawing/2016/SVG/main" r:embed="rId8"/>
+                <asvg:svgBlip xmlns:asvg="http://schemas.microsoft.com/office/drawing/2016/SVG/main" r:embed="rId7"/>
               </a:ext>
             </a:extLst>
           </a:blip>
@@ -17911,12 +17786,84 @@
           </a:prstGeom>
         </p:spPr>
       </p:pic>
+      <p:pic>
+        <p:nvPicPr>
+          <p:cNvPr id="4" name="Picture 3">
+            <a:extLst>
+              <a:ext uri="{FF2B5EF4-FFF2-40B4-BE49-F238E27FC236}">
+                <a16:creationId xmlns:a16="http://schemas.microsoft.com/office/drawing/2014/main" id="{4ECC14BB-29B2-19B3-D8E0-DD49E3BEE396}"/>
+              </a:ext>
+            </a:extLst>
+          </p:cNvPr>
+          <p:cNvPicPr>
+            <a:picLocks noChangeAspect="1"/>
+          </p:cNvPicPr>
+          <p:nvPr/>
+        </p:nvPicPr>
+        <p:blipFill>
+          <a:blip r:embed="rId8" cstate="print">
+            <a:extLst>
+              <a:ext uri="{28A0092B-C50C-407E-A947-70E740481C1C}">
+                <a14:useLocalDpi xmlns:a14="http://schemas.microsoft.com/office/drawing/2010/main" val="0"/>
+              </a:ext>
+            </a:extLst>
+          </a:blip>
+          <a:stretch>
+            <a:fillRect/>
+          </a:stretch>
+        </p:blipFill>
+        <p:spPr>
+          <a:xfrm>
+            <a:off x="610538" y="8488425"/>
+            <a:ext cx="5052843" cy="4225643"/>
+          </a:xfrm>
+          <a:prstGeom prst="rect">
+            <a:avLst/>
+          </a:prstGeom>
+        </p:spPr>
+      </p:pic>
+      <p:pic>
+        <p:nvPicPr>
+          <p:cNvPr id="13" name="Graphic 12">
+            <a:extLst>
+              <a:ext uri="{FF2B5EF4-FFF2-40B4-BE49-F238E27FC236}">
+                <a16:creationId xmlns:a16="http://schemas.microsoft.com/office/drawing/2014/main" id="{22AD9468-D94B-50D6-C3C8-2F8AF1BFCFC7}"/>
+              </a:ext>
+            </a:extLst>
+          </p:cNvPr>
+          <p:cNvPicPr>
+            <a:picLocks noChangeAspect="1"/>
+          </p:cNvPicPr>
+          <p:nvPr/>
+        </p:nvPicPr>
+        <p:blipFill>
+          <a:blip r:embed="rId9">
+            <a:extLst>
+              <a:ext uri="{96DAC541-7B7A-43D3-8B79-37D633B846F1}">
+                <asvg:svgBlip xmlns:asvg="http://schemas.microsoft.com/office/drawing/2016/SVG/main" r:embed="rId10"/>
+              </a:ext>
+            </a:extLst>
+          </a:blip>
+          <a:stretch>
+            <a:fillRect/>
+          </a:stretch>
+        </p:blipFill>
+        <p:spPr>
+          <a:xfrm>
+            <a:off x="873131" y="14822163"/>
+            <a:ext cx="8986409" cy="5990939"/>
+          </a:xfrm>
+          <a:prstGeom prst="roundRect">
+            <a:avLst/>
+          </a:prstGeom>
+        </p:spPr>
+      </p:pic>
       <p:sp>
         <p:nvSpPr>
-          <p:cNvPr id="32" name="TextBox 31">
+          <p:cNvPr id="21" name="TextBox 20">
             <a:extLst>
               <a:ext uri="{FF2B5EF4-FFF2-40B4-BE49-F238E27FC236}">
-                <a16:creationId xmlns:a16="http://schemas.microsoft.com/office/drawing/2014/main" id="{DCF9947A-28F8-3324-5516-E238E45A0705}"/>
+                <a16:creationId xmlns:a16="http://schemas.microsoft.com/office/drawing/2014/main" id="{8FBF420D-0400-02B9-AF96-850CAF97BC36}"/>
               </a:ext>
             </a:extLst>
           </p:cNvPr>
@@ -17925,8 +17872,8 @@
         </p:nvSpPr>
         <p:spPr bwMode="auto">
           <a:xfrm>
-            <a:off x="2441214" y="9347654"/>
-            <a:ext cx="2366155" cy="1279068"/>
+            <a:off x="1041615" y="20309721"/>
+            <a:ext cx="8292885" cy="499111"/>
           </a:xfrm>
           <a:prstGeom prst="rect">
             <a:avLst/>
@@ -17946,7 +17893,7 @@
           </a:bodyPr>
           <a:lstStyle/>
           <a:p>
-            <a:pPr marL="455613" indent="-455613" algn="l" defTabSz="2952750" eaLnBrk="0" hangingPunct="0">
+            <a:pPr marL="455613" indent="-455613" algn="ctr" defTabSz="2952750" eaLnBrk="0" hangingPunct="0">
               <a:lnSpc>
                 <a:spcPct val="105000"/>
               </a:lnSpc>
@@ -17961,15 +17908,42 @@
               </a:buClr>
             </a:pPr>
             <a:r>
-              <a:rPr lang="en-GB" sz="4100" b="1" kern="0" dirty="0">
+              <a:rPr lang="en-US" sz="1600" b="1" kern="0" dirty="0">
                 <a:solidFill>
-                  <a:schemeClr val="tx2"/>
+                  <a:schemeClr val="accent1"/>
                 </a:solidFill>
                 <a:latin typeface="Arial" panose="020B0604020202020204" pitchFamily="34" charset="0"/>
                 <a:cs typeface="Arial" panose="020B0604020202020204" pitchFamily="34" charset="0"/>
               </a:rPr>
-              <a:t>Robot Picture</a:t>
-            </a:r>
+              <a:t>Figure 2</a:t>
+            </a:r>
+            <a:r>
+              <a:rPr lang="en-US" sz="1600" b="1" i="1" kern="0" dirty="0">
+                <a:solidFill>
+                  <a:schemeClr val="accent1"/>
+                </a:solidFill>
+                <a:latin typeface="Arial" panose="020B0604020202020204" pitchFamily="34" charset="0"/>
+                <a:cs typeface="Arial" panose="020B0604020202020204" pitchFamily="34" charset="0"/>
+              </a:rPr>
+              <a:t>: </a:t>
+            </a:r>
+            <a:r>
+              <a:rPr lang="en-US" sz="1600" i="1" kern="0" dirty="0">
+                <a:solidFill>
+                  <a:schemeClr val="accent1"/>
+                </a:solidFill>
+                <a:latin typeface="Arial" panose="020B0604020202020204" pitchFamily="34" charset="0"/>
+                <a:cs typeface="Arial" panose="020B0604020202020204" pitchFamily="34" charset="0"/>
+              </a:rPr>
+              <a:t>Reference, simulation and hardware trajectories, including the home position, target position, control points and the associated sphere.</a:t>
+            </a:r>
+            <a:endParaRPr lang="en-GB" sz="1600" i="1" kern="0" dirty="0">
+              <a:solidFill>
+                <a:schemeClr val="accent1"/>
+              </a:solidFill>
+              <a:latin typeface="Arial" panose="020B0604020202020204" pitchFamily="34" charset="0"/>
+              <a:cs typeface="Arial" panose="020B0604020202020204" pitchFamily="34" charset="0"/>
+            </a:endParaRPr>
           </a:p>
         </p:txBody>
       </p:sp>

--- a/October2025/Edinburgh_Manipulator.pptx
+++ b/October2025/Edinburgh_Manipulator.pptx
@@ -15171,890 +15171,6 @@
           </a:p>
         </p:txBody>
       </p:sp>
-      <p:graphicFrame>
-        <p:nvGraphicFramePr>
-          <p:cNvPr id="2" name="Table 1">
-            <a:extLst>
-              <a:ext uri="{FF2B5EF4-FFF2-40B4-BE49-F238E27FC236}">
-                <a16:creationId xmlns:a16="http://schemas.microsoft.com/office/drawing/2014/main" id="{433F7E6E-0C74-3E1C-93BB-908962A2B321}"/>
-              </a:ext>
-            </a:extLst>
-          </p:cNvPr>
-          <p:cNvGraphicFramePr>
-            <a:graphicFrameLocks noGrp="1"/>
-          </p:cNvGraphicFramePr>
-          <p:nvPr>
-            <p:extLst>
-              <p:ext uri="{D42A27DB-BD31-4B8C-83A1-F6EECF244321}">
-                <p14:modId xmlns:p14="http://schemas.microsoft.com/office/powerpoint/2010/main" val="2111610944"/>
-              </p:ext>
-            </p:extLst>
-          </p:nvPr>
-        </p:nvGraphicFramePr>
-        <p:xfrm>
-          <a:off x="11507846" y="21580396"/>
-          <a:ext cx="8986408" cy="1028550"/>
-        </p:xfrm>
-        <a:graphic>
-          <a:graphicData uri="http://schemas.openxmlformats.org/drawingml/2006/table">
-            <a:tbl>
-              <a:tblPr firstRow="1" bandRow="1">
-                <a:tableStyleId>{5C22544A-7EE6-4342-B048-85BDC9FD1C3A}</a:tableStyleId>
-              </a:tblPr>
-              <a:tblGrid>
-                <a:gridCol w="2246602">
-                  <a:extLst>
-                    <a:ext uri="{9D8B030D-6E8A-4147-A177-3AD203B41FA5}">
-                      <a16:colId xmlns:a16="http://schemas.microsoft.com/office/drawing/2014/main" val="687930757"/>
-                    </a:ext>
-                  </a:extLst>
-                </a:gridCol>
-                <a:gridCol w="2246602">
-                  <a:extLst>
-                    <a:ext uri="{9D8B030D-6E8A-4147-A177-3AD203B41FA5}">
-                      <a16:colId xmlns:a16="http://schemas.microsoft.com/office/drawing/2014/main" val="2195375585"/>
-                    </a:ext>
-                  </a:extLst>
-                </a:gridCol>
-                <a:gridCol w="2246602">
-                  <a:extLst>
-                    <a:ext uri="{9D8B030D-6E8A-4147-A177-3AD203B41FA5}">
-                      <a16:colId xmlns:a16="http://schemas.microsoft.com/office/drawing/2014/main" val="2704182375"/>
-                    </a:ext>
-                  </a:extLst>
-                </a:gridCol>
-                <a:gridCol w="2246602">
-                  <a:extLst>
-                    <a:ext uri="{9D8B030D-6E8A-4147-A177-3AD203B41FA5}">
-                      <a16:colId xmlns:a16="http://schemas.microsoft.com/office/drawing/2014/main" val="3414057880"/>
-                    </a:ext>
-                  </a:extLst>
-                </a:gridCol>
-              </a:tblGrid>
-              <a:tr h="374018">
-                <a:tc>
-                  <a:txBody>
-                    <a:bodyPr/>
-                    <a:lstStyle/>
-                    <a:p>
-                      <a:pPr algn="ctr"/>
-                      <a:endParaRPr lang="en-GB" dirty="0"/>
-                    </a:p>
-                  </a:txBody>
-                  <a:tcPr anchor="ctr"/>
-                </a:tc>
-                <a:tc>
-                  <a:txBody>
-                    <a:bodyPr/>
-                    <a:lstStyle/>
-                    <a:p>
-                      <a:pPr algn="ctr"/>
-                      <a:r>
-                        <a:rPr lang="en-US" b="1" dirty="0"/>
-                        <a:t>Target 1 (</a:t>
-                      </a:r>
-                      <a:r>
-                        <a:rPr lang="en-GB" sz="1800" b="1" i="0" kern="1200" dirty="0">
-                          <a:solidFill>
-                            <a:schemeClr val="bg1"/>
-                          </a:solidFill>
-                          <a:effectLst/>
-                          <a:latin typeface="+mn-lt"/>
-                          <a:ea typeface="+mn-ea"/>
-                          <a:cs typeface="+mn-cs"/>
-                        </a:rPr>
-                        <a:t>m</a:t>
-                      </a:r>
-                      <a:r>
-                        <a:rPr lang="en-US" b="1" dirty="0"/>
-                        <a:t>)</a:t>
-                      </a:r>
-                      <a:endParaRPr lang="en-GB" b="1" dirty="0"/>
-                    </a:p>
-                  </a:txBody>
-                  <a:tcPr anchor="ctr"/>
-                </a:tc>
-                <a:tc>
-                  <a:txBody>
-                    <a:bodyPr/>
-                    <a:lstStyle/>
-                    <a:p>
-                      <a:pPr algn="ctr"/>
-                      <a:r>
-                        <a:rPr lang="en-US" dirty="0"/>
-                        <a:t>Target 2 </a:t>
-                      </a:r>
-                      <a:r>
-                        <a:rPr lang="en-US" b="1" dirty="0"/>
-                        <a:t>(</a:t>
-                      </a:r>
-                      <a:r>
-                        <a:rPr lang="en-GB" sz="1800" b="1" i="0" kern="1200" dirty="0">
-                          <a:solidFill>
-                            <a:schemeClr val="bg1"/>
-                          </a:solidFill>
-                          <a:effectLst/>
-                          <a:latin typeface="+mn-lt"/>
-                          <a:ea typeface="+mn-ea"/>
-                          <a:cs typeface="+mn-cs"/>
-                        </a:rPr>
-                        <a:t>m</a:t>
-                      </a:r>
-                      <a:r>
-                        <a:rPr lang="en-US" b="1" dirty="0"/>
-                        <a:t>)</a:t>
-                      </a:r>
-                      <a:endParaRPr lang="en-GB" dirty="0"/>
-                    </a:p>
-                  </a:txBody>
-                  <a:tcPr anchor="ctr"/>
-                </a:tc>
-                <a:tc>
-                  <a:txBody>
-                    <a:bodyPr/>
-                    <a:lstStyle/>
-                    <a:p>
-                      <a:pPr algn="ctr"/>
-                      <a:r>
-                        <a:rPr lang="en-US" dirty="0"/>
-                        <a:t>Target 3 </a:t>
-                      </a:r>
-                      <a:r>
-                        <a:rPr lang="en-US" b="1" dirty="0"/>
-                        <a:t>(</a:t>
-                      </a:r>
-                      <a:r>
-                        <a:rPr lang="en-GB" sz="1800" b="1" i="0" kern="1200" dirty="0">
-                          <a:solidFill>
-                            <a:schemeClr val="bg1"/>
-                          </a:solidFill>
-                          <a:effectLst/>
-                          <a:latin typeface="+mn-lt"/>
-                          <a:ea typeface="+mn-ea"/>
-                          <a:cs typeface="+mn-cs"/>
-                        </a:rPr>
-                        <a:t>m</a:t>
-                      </a:r>
-                      <a:r>
-                        <a:rPr lang="en-US" b="1" dirty="0"/>
-                        <a:t>)</a:t>
-                      </a:r>
-                      <a:endParaRPr lang="en-GB" dirty="0"/>
-                    </a:p>
-                  </a:txBody>
-                  <a:tcPr anchor="ctr"/>
-                </a:tc>
-                <a:extLst>
-                  <a:ext uri="{0D108BD9-81ED-4DB2-BD59-A6C34878D82A}">
-                    <a16:rowId xmlns:a16="http://schemas.microsoft.com/office/drawing/2014/main" val="1081442938"/>
-                  </a:ext>
-                </a:extLst>
-              </a:tr>
-              <a:tr h="654532">
-                <a:tc>
-                  <a:txBody>
-                    <a:bodyPr/>
-                    <a:lstStyle/>
-                    <a:p>
-                      <a:pPr algn="ctr"/>
-                      <a:r>
-                        <a:rPr lang="en-US" b="1" dirty="0"/>
-                        <a:t>Reference Trajectory</a:t>
-                      </a:r>
-                      <a:endParaRPr lang="en-GB" b="1" dirty="0"/>
-                    </a:p>
-                  </a:txBody>
-                  <a:tcPr anchor="ctr"/>
-                </a:tc>
-                <a:tc>
-                  <a:txBody>
-                    <a:bodyPr/>
-                    <a:lstStyle/>
-                    <a:p>
-                      <a:pPr marL="0" marR="0" lvl="0" indent="0" algn="ctr" defTabSz="914400" rtl="0" eaLnBrk="1" fontAlgn="auto" latinLnBrk="0" hangingPunct="1">
-                        <a:lnSpc>
-                          <a:spcPct val="100000"/>
-                        </a:lnSpc>
-                        <a:spcBef>
-                          <a:spcPts val="0"/>
-                        </a:spcBef>
-                        <a:spcAft>
-                          <a:spcPts val="0"/>
-                        </a:spcAft>
-                        <a:buClrTx/>
-                        <a:buSzTx/>
-                        <a:buFontTx/>
-                        <a:buNone/>
-                        <a:tabLst/>
-                        <a:defRPr/>
-                      </a:pPr>
-                      <a:r>
-                        <a:rPr lang="en-GB" sz="1800" b="0" i="0" kern="1200" dirty="0">
-                          <a:solidFill>
-                            <a:schemeClr val="dk1"/>
-                          </a:solidFill>
-                          <a:effectLst/>
-                          <a:latin typeface="+mn-lt"/>
-                          <a:ea typeface="+mn-ea"/>
-                          <a:cs typeface="+mn-cs"/>
-                        </a:rPr>
-                        <a:t>0.00311</a:t>
-                      </a:r>
-                      <a:endParaRPr lang="en-GB" dirty="0"/>
-                    </a:p>
-                  </a:txBody>
-                  <a:tcPr anchor="ctr"/>
-                </a:tc>
-                <a:tc>
-                  <a:txBody>
-                    <a:bodyPr/>
-                    <a:lstStyle/>
-                    <a:p>
-                      <a:pPr marL="0" marR="0" lvl="0" indent="0" algn="ctr" defTabSz="914400" rtl="0" eaLnBrk="1" fontAlgn="auto" latinLnBrk="0" hangingPunct="1">
-                        <a:lnSpc>
-                          <a:spcPct val="100000"/>
-                        </a:lnSpc>
-                        <a:spcBef>
-                          <a:spcPts val="0"/>
-                        </a:spcBef>
-                        <a:spcAft>
-                          <a:spcPts val="0"/>
-                        </a:spcAft>
-                        <a:buClrTx/>
-                        <a:buSzTx/>
-                        <a:buFontTx/>
-                        <a:buNone/>
-                        <a:tabLst/>
-                        <a:defRPr/>
-                      </a:pPr>
-                      <a:r>
-                        <a:rPr lang="en-GB" sz="1800" b="0" i="0" kern="1200" dirty="0">
-                          <a:solidFill>
-                            <a:schemeClr val="dk1"/>
-                          </a:solidFill>
-                          <a:effectLst/>
-                          <a:latin typeface="+mn-lt"/>
-                          <a:ea typeface="+mn-ea"/>
-                          <a:cs typeface="+mn-cs"/>
-                        </a:rPr>
-                        <a:t>0.00508</a:t>
-                      </a:r>
-                    </a:p>
-                  </a:txBody>
-                  <a:tcPr anchor="ctr"/>
-                </a:tc>
-                <a:tc>
-                  <a:txBody>
-                    <a:bodyPr/>
-                    <a:lstStyle/>
-                    <a:p>
-                      <a:pPr marL="0" marR="0" lvl="0" indent="0" algn="ctr" defTabSz="914400" rtl="0" eaLnBrk="1" fontAlgn="auto" latinLnBrk="0" hangingPunct="1">
-                        <a:lnSpc>
-                          <a:spcPct val="100000"/>
-                        </a:lnSpc>
-                        <a:spcBef>
-                          <a:spcPts val="0"/>
-                        </a:spcBef>
-                        <a:spcAft>
-                          <a:spcPts val="0"/>
-                        </a:spcAft>
-                        <a:buClrTx/>
-                        <a:buSzTx/>
-                        <a:buFontTx/>
-                        <a:buNone/>
-                        <a:tabLst/>
-                        <a:defRPr/>
-                      </a:pPr>
-                      <a:r>
-                        <a:rPr lang="en-GB" sz="1800" b="0" i="0" kern="1200" dirty="0">
-                          <a:solidFill>
-                            <a:schemeClr val="dk1"/>
-                          </a:solidFill>
-                          <a:effectLst/>
-                          <a:latin typeface="+mn-lt"/>
-                          <a:ea typeface="+mn-ea"/>
-                          <a:cs typeface="+mn-cs"/>
-                        </a:rPr>
-                        <a:t>0.00203</a:t>
-                      </a:r>
-                    </a:p>
-                  </a:txBody>
-                  <a:tcPr anchor="ctr"/>
-                </a:tc>
-                <a:extLst>
-                  <a:ext uri="{0D108BD9-81ED-4DB2-BD59-A6C34878D82A}">
-                    <a16:rowId xmlns:a16="http://schemas.microsoft.com/office/drawing/2014/main" val="2285436173"/>
-                  </a:ext>
-                </a:extLst>
-              </a:tr>
-            </a:tbl>
-          </a:graphicData>
-        </a:graphic>
-      </p:graphicFrame>
-      <p:graphicFrame>
-        <p:nvGraphicFramePr>
-          <p:cNvPr id="6" name="Table 5">
-            <a:extLst>
-              <a:ext uri="{FF2B5EF4-FFF2-40B4-BE49-F238E27FC236}">
-                <a16:creationId xmlns:a16="http://schemas.microsoft.com/office/drawing/2014/main" id="{A6F1D943-F76D-E3B6-1731-713FFA46E7C9}"/>
-              </a:ext>
-            </a:extLst>
-          </p:cNvPr>
-          <p:cNvGraphicFramePr>
-            <a:graphicFrameLocks noGrp="1"/>
-          </p:cNvGraphicFramePr>
-          <p:nvPr>
-            <p:extLst>
-              <p:ext uri="{D42A27DB-BD31-4B8C-83A1-F6EECF244321}">
-                <p14:modId xmlns:p14="http://schemas.microsoft.com/office/powerpoint/2010/main" val="2093868723"/>
-              </p:ext>
-            </p:extLst>
-          </p:nvPr>
-        </p:nvGraphicFramePr>
-        <p:xfrm>
-          <a:off x="988615" y="21603106"/>
-          <a:ext cx="9120198" cy="1005840"/>
-        </p:xfrm>
-        <a:graphic>
-          <a:graphicData uri="http://schemas.openxmlformats.org/drawingml/2006/table">
-            <a:tbl>
-              <a:tblPr firstRow="1" bandRow="1">
-                <a:tableStyleId>{5C22544A-7EE6-4342-B048-85BDC9FD1C3A}</a:tableStyleId>
-              </a:tblPr>
-              <a:tblGrid>
-                <a:gridCol w="1520033">
-                  <a:extLst>
-                    <a:ext uri="{9D8B030D-6E8A-4147-A177-3AD203B41FA5}">
-                      <a16:colId xmlns:a16="http://schemas.microsoft.com/office/drawing/2014/main" val="1615667550"/>
-                    </a:ext>
-                  </a:extLst>
-                </a:gridCol>
-                <a:gridCol w="1520033">
-                  <a:extLst>
-                    <a:ext uri="{9D8B030D-6E8A-4147-A177-3AD203B41FA5}">
-                      <a16:colId xmlns:a16="http://schemas.microsoft.com/office/drawing/2014/main" val="4275749522"/>
-                    </a:ext>
-                  </a:extLst>
-                </a:gridCol>
-                <a:gridCol w="1520033">
-                  <a:extLst>
-                    <a:ext uri="{9D8B030D-6E8A-4147-A177-3AD203B41FA5}">
-                      <a16:colId xmlns:a16="http://schemas.microsoft.com/office/drawing/2014/main" val="1874141325"/>
-                    </a:ext>
-                  </a:extLst>
-                </a:gridCol>
-                <a:gridCol w="1520033">
-                  <a:extLst>
-                    <a:ext uri="{9D8B030D-6E8A-4147-A177-3AD203B41FA5}">
-                      <a16:colId xmlns:a16="http://schemas.microsoft.com/office/drawing/2014/main" val="1222149473"/>
-                    </a:ext>
-                  </a:extLst>
-                </a:gridCol>
-                <a:gridCol w="1520033">
-                  <a:extLst>
-                    <a:ext uri="{9D8B030D-6E8A-4147-A177-3AD203B41FA5}">
-                      <a16:colId xmlns:a16="http://schemas.microsoft.com/office/drawing/2014/main" val="2958971081"/>
-                    </a:ext>
-                  </a:extLst>
-                </a:gridCol>
-                <a:gridCol w="1520033">
-                  <a:extLst>
-                    <a:ext uri="{9D8B030D-6E8A-4147-A177-3AD203B41FA5}">
-                      <a16:colId xmlns:a16="http://schemas.microsoft.com/office/drawing/2014/main" val="829083447"/>
-                    </a:ext>
-                  </a:extLst>
-                </a:gridCol>
-              </a:tblGrid>
-              <a:tr h="311145">
-                <a:tc>
-                  <a:txBody>
-                    <a:bodyPr/>
-                    <a:lstStyle/>
-                    <a:p>
-                      <a:pPr algn="ctr"/>
-                      <a:endParaRPr lang="en-GB"/>
-                    </a:p>
-                  </a:txBody>
-                  <a:tcPr anchor="ctr"/>
-                </a:tc>
-                <a:tc>
-                  <a:txBody>
-                    <a:bodyPr/>
-                    <a:lstStyle/>
-                    <a:p>
-                      <a:pPr marL="0" marR="0" lvl="0" indent="0" algn="ctr" defTabSz="914400" rtl="0" eaLnBrk="1" fontAlgn="auto" latinLnBrk="0" hangingPunct="1">
-                        <a:lnSpc>
-                          <a:spcPct val="100000"/>
-                        </a:lnSpc>
-                        <a:spcBef>
-                          <a:spcPts val="0"/>
-                        </a:spcBef>
-                        <a:spcAft>
-                          <a:spcPts val="0"/>
-                        </a:spcAft>
-                        <a:buClrTx/>
-                        <a:buSzTx/>
-                        <a:buFontTx/>
-                        <a:buNone/>
-                        <a:tabLst/>
-                        <a:defRPr/>
-                      </a:pPr>
-                      <a:r>
-                        <a:rPr lang="en-US" b="1" dirty="0"/>
-                        <a:t>Target 1 </a:t>
-                      </a:r>
-                      <a:endParaRPr lang="en-GB" b="1" dirty="0"/>
-                    </a:p>
-                  </a:txBody>
-                  <a:tcPr anchor="ctr"/>
-                </a:tc>
-                <a:tc>
-                  <a:txBody>
-                    <a:bodyPr/>
-                    <a:lstStyle/>
-                    <a:p>
-                      <a:pPr marL="0" marR="0" lvl="0" indent="0" algn="ctr" defTabSz="914400" rtl="0" eaLnBrk="1" fontAlgn="auto" latinLnBrk="0" hangingPunct="1">
-                        <a:lnSpc>
-                          <a:spcPct val="100000"/>
-                        </a:lnSpc>
-                        <a:spcBef>
-                          <a:spcPts val="0"/>
-                        </a:spcBef>
-                        <a:spcAft>
-                          <a:spcPts val="0"/>
-                        </a:spcAft>
-                        <a:buClrTx/>
-                        <a:buSzTx/>
-                        <a:buFontTx/>
-                        <a:buNone/>
-                        <a:tabLst/>
-                        <a:defRPr/>
-                      </a:pPr>
-                      <a:r>
-                        <a:rPr lang="en-US" b="1" dirty="0"/>
-                        <a:t>Target 2 (</a:t>
-                      </a:r>
-                      <a:r>
-                        <a:rPr lang="en-GB" sz="1800" b="1" i="0" kern="1200" dirty="0">
-                          <a:solidFill>
-                            <a:schemeClr val="bg1"/>
-                          </a:solidFill>
-                          <a:effectLst/>
-                          <a:latin typeface="+mn-lt"/>
-                          <a:ea typeface="+mn-ea"/>
-                          <a:cs typeface="+mn-cs"/>
-                        </a:rPr>
-                        <a:t>m</a:t>
-                      </a:r>
-                      <a:r>
-                        <a:rPr lang="en-US" b="1" dirty="0"/>
-                        <a:t>)</a:t>
-                      </a:r>
-                      <a:endParaRPr lang="en-GB" b="1" dirty="0"/>
-                    </a:p>
-                  </a:txBody>
-                  <a:tcPr anchor="ctr"/>
-                </a:tc>
-                <a:tc>
-                  <a:txBody>
-                    <a:bodyPr/>
-                    <a:lstStyle/>
-                    <a:p>
-                      <a:pPr marL="0" marR="0" lvl="0" indent="0" algn="ctr" defTabSz="914400" rtl="0" eaLnBrk="1" fontAlgn="auto" latinLnBrk="0" hangingPunct="1">
-                        <a:lnSpc>
-                          <a:spcPct val="100000"/>
-                        </a:lnSpc>
-                        <a:spcBef>
-                          <a:spcPts val="0"/>
-                        </a:spcBef>
-                        <a:spcAft>
-                          <a:spcPts val="0"/>
-                        </a:spcAft>
-                        <a:buClrTx/>
-                        <a:buSzTx/>
-                        <a:buFontTx/>
-                        <a:buNone/>
-                        <a:tabLst/>
-                        <a:defRPr/>
-                      </a:pPr>
-                      <a:r>
-                        <a:rPr lang="en-US" b="1" dirty="0"/>
-                        <a:t>Target 3 (</a:t>
-                      </a:r>
-                      <a:r>
-                        <a:rPr lang="en-GB" sz="1800" b="1" i="0" kern="1200" dirty="0">
-                          <a:solidFill>
-                            <a:schemeClr val="bg1"/>
-                          </a:solidFill>
-                          <a:effectLst/>
-                          <a:latin typeface="+mn-lt"/>
-                          <a:ea typeface="+mn-ea"/>
-                          <a:cs typeface="+mn-cs"/>
-                        </a:rPr>
-                        <a:t>m</a:t>
-                      </a:r>
-                      <a:r>
-                        <a:rPr lang="en-US" b="1" dirty="0"/>
-                        <a:t>)</a:t>
-                      </a:r>
-                      <a:endParaRPr lang="en-GB" b="1" dirty="0"/>
-                    </a:p>
-                  </a:txBody>
-                  <a:tcPr anchor="ctr"/>
-                </a:tc>
-                <a:tc>
-                  <a:txBody>
-                    <a:bodyPr/>
-                    <a:lstStyle/>
-                    <a:p>
-                      <a:pPr marL="0" marR="0" lvl="0" indent="0" algn="ctr" defTabSz="914400" rtl="0" eaLnBrk="1" fontAlgn="auto" latinLnBrk="0" hangingPunct="1">
-                        <a:lnSpc>
-                          <a:spcPct val="100000"/>
-                        </a:lnSpc>
-                        <a:spcBef>
-                          <a:spcPts val="0"/>
-                        </a:spcBef>
-                        <a:spcAft>
-                          <a:spcPts val="0"/>
-                        </a:spcAft>
-                        <a:buClrTx/>
-                        <a:buSzTx/>
-                        <a:buFontTx/>
-                        <a:buNone/>
-                        <a:tabLst/>
-                        <a:defRPr/>
-                      </a:pPr>
-                      <a:r>
-                        <a:rPr lang="en-US" b="1" dirty="0"/>
-                        <a:t>Target 4 (</a:t>
-                      </a:r>
-                      <a:r>
-                        <a:rPr lang="en-GB" sz="1800" b="1" i="0" kern="1200" dirty="0">
-                          <a:solidFill>
-                            <a:schemeClr val="bg1"/>
-                          </a:solidFill>
-                          <a:effectLst/>
-                          <a:latin typeface="+mn-lt"/>
-                          <a:ea typeface="+mn-ea"/>
-                          <a:cs typeface="+mn-cs"/>
-                        </a:rPr>
-                        <a:t>m</a:t>
-                      </a:r>
-                      <a:r>
-                        <a:rPr lang="en-US" b="1" dirty="0"/>
-                        <a:t>)</a:t>
-                      </a:r>
-                      <a:endParaRPr lang="en-GB" b="1" dirty="0"/>
-                    </a:p>
-                  </a:txBody>
-                  <a:tcPr anchor="ctr"/>
-                </a:tc>
-                <a:tc>
-                  <a:txBody>
-                    <a:bodyPr/>
-                    <a:lstStyle/>
-                    <a:p>
-                      <a:pPr marL="0" marR="0" lvl="0" indent="0" algn="ctr" defTabSz="914400" rtl="0" eaLnBrk="1" fontAlgn="auto" latinLnBrk="0" hangingPunct="1">
-                        <a:lnSpc>
-                          <a:spcPct val="100000"/>
-                        </a:lnSpc>
-                        <a:spcBef>
-                          <a:spcPts val="0"/>
-                        </a:spcBef>
-                        <a:spcAft>
-                          <a:spcPts val="0"/>
-                        </a:spcAft>
-                        <a:buClrTx/>
-                        <a:buSzTx/>
-                        <a:buFontTx/>
-                        <a:buNone/>
-                        <a:tabLst/>
-                        <a:defRPr/>
-                      </a:pPr>
-                      <a:r>
-                        <a:rPr lang="en-US" b="1" dirty="0"/>
-                        <a:t>Target 5 (</a:t>
-                      </a:r>
-                      <a:r>
-                        <a:rPr lang="en-GB" sz="1800" b="1" i="0" kern="1200" dirty="0">
-                          <a:solidFill>
-                            <a:schemeClr val="bg1"/>
-                          </a:solidFill>
-                          <a:effectLst/>
-                          <a:latin typeface="+mn-lt"/>
-                          <a:ea typeface="+mn-ea"/>
-                          <a:cs typeface="+mn-cs"/>
-                        </a:rPr>
-                        <a:t>m</a:t>
-                      </a:r>
-                      <a:r>
-                        <a:rPr lang="en-US" b="1" dirty="0"/>
-                        <a:t>)</a:t>
-                      </a:r>
-                      <a:endParaRPr lang="en-GB" b="1" dirty="0"/>
-                    </a:p>
-                  </a:txBody>
-                  <a:tcPr anchor="ctr"/>
-                </a:tc>
-                <a:extLst>
-                  <a:ext uri="{0D108BD9-81ED-4DB2-BD59-A6C34878D82A}">
-                    <a16:rowId xmlns:a16="http://schemas.microsoft.com/office/drawing/2014/main" val="2388106271"/>
-                  </a:ext>
-                </a:extLst>
-              </a:tr>
-              <a:tr h="544504">
-                <a:tc>
-                  <a:txBody>
-                    <a:bodyPr/>
-                    <a:lstStyle/>
-                    <a:p>
-                      <a:pPr marL="0" marR="0" lvl="0" indent="0" algn="ctr" defTabSz="914400" rtl="0" eaLnBrk="1" fontAlgn="auto" latinLnBrk="0" hangingPunct="1">
-                        <a:lnSpc>
-                          <a:spcPct val="100000"/>
-                        </a:lnSpc>
-                        <a:spcBef>
-                          <a:spcPts val="0"/>
-                        </a:spcBef>
-                        <a:spcAft>
-                          <a:spcPts val="0"/>
-                        </a:spcAft>
-                        <a:buClrTx/>
-                        <a:buSzTx/>
-                        <a:buFontTx/>
-                        <a:buNone/>
-                        <a:tabLst/>
-                        <a:defRPr/>
-                      </a:pPr>
-                      <a:r>
-                        <a:rPr lang="en-US" b="1" dirty="0"/>
-                        <a:t>Reference Trajectory</a:t>
-                      </a:r>
-                      <a:endParaRPr lang="en-GB" b="1" dirty="0"/>
-                    </a:p>
-                  </a:txBody>
-                  <a:tcPr anchor="ctr"/>
-                </a:tc>
-                <a:tc>
-                  <a:txBody>
-                    <a:bodyPr/>
-                    <a:lstStyle/>
-                    <a:p>
-                      <a:pPr marL="0" marR="0" lvl="0" indent="0" algn="ctr" defTabSz="914400" rtl="0" eaLnBrk="1" fontAlgn="auto" latinLnBrk="0" hangingPunct="1">
-                        <a:lnSpc>
-                          <a:spcPct val="100000"/>
-                        </a:lnSpc>
-                        <a:spcBef>
-                          <a:spcPts val="0"/>
-                        </a:spcBef>
-                        <a:spcAft>
-                          <a:spcPts val="0"/>
-                        </a:spcAft>
-                        <a:buClrTx/>
-                        <a:buSzTx/>
-                        <a:buFontTx/>
-                        <a:buNone/>
-                        <a:tabLst/>
-                        <a:defRPr/>
-                      </a:pPr>
-                      <a:r>
-                        <a:rPr lang="en-GB" sz="1800" b="0" i="0" kern="1200" dirty="0">
-                          <a:solidFill>
-                            <a:schemeClr val="dk1"/>
-                          </a:solidFill>
-                          <a:effectLst/>
-                          <a:latin typeface="+mn-lt"/>
-                          <a:ea typeface="+mn-ea"/>
-                          <a:cs typeface="+mn-cs"/>
-                        </a:rPr>
-                        <a:t>0.12 </a:t>
-                      </a:r>
-                      <a:r>
-                        <a:rPr lang="en-GB" sz="1800" b="1" i="0" kern="1200" dirty="0">
-                          <a:solidFill>
-                            <a:schemeClr val="tx1"/>
-                          </a:solidFill>
-                          <a:effectLst/>
-                          <a:latin typeface="+mn-lt"/>
-                          <a:ea typeface="+mn-ea"/>
-                          <a:cs typeface="+mn-cs"/>
-                        </a:rPr>
-                        <a:t>mm</a:t>
-                      </a:r>
-                      <a:endParaRPr lang="en-GB" sz="1800" b="0" i="0" kern="1200" dirty="0">
-                        <a:solidFill>
-                          <a:schemeClr val="tx1"/>
-                        </a:solidFill>
-                        <a:effectLst/>
-                        <a:latin typeface="+mn-lt"/>
-                        <a:ea typeface="+mn-ea"/>
-                        <a:cs typeface="+mn-cs"/>
-                      </a:endParaRPr>
-                    </a:p>
-                  </a:txBody>
-                  <a:tcPr anchor="ctr"/>
-                </a:tc>
-                <a:tc>
-                  <a:txBody>
-                    <a:bodyPr/>
-                    <a:lstStyle/>
-                    <a:p>
-                      <a:pPr marL="0" marR="0" lvl="0" indent="0" algn="ctr" defTabSz="914400" rtl="0" eaLnBrk="1" fontAlgn="auto" latinLnBrk="0" hangingPunct="1">
-                        <a:lnSpc>
-                          <a:spcPct val="100000"/>
-                        </a:lnSpc>
-                        <a:spcBef>
-                          <a:spcPts val="0"/>
-                        </a:spcBef>
-                        <a:spcAft>
-                          <a:spcPts val="0"/>
-                        </a:spcAft>
-                        <a:buClrTx/>
-                        <a:buSzTx/>
-                        <a:buFontTx/>
-                        <a:buNone/>
-                        <a:tabLst/>
-                        <a:defRPr/>
-                      </a:pPr>
-                      <a:r>
-                        <a:rPr lang="en-GB" sz="1800" b="0" i="0" kern="1200" dirty="0">
-                          <a:solidFill>
-                            <a:schemeClr val="dk1"/>
-                          </a:solidFill>
-                          <a:effectLst/>
-                          <a:latin typeface="+mn-lt"/>
-                          <a:ea typeface="+mn-ea"/>
-                          <a:cs typeface="+mn-cs"/>
-                        </a:rPr>
-                        <a:t>0.04</a:t>
-                      </a:r>
-                    </a:p>
-                  </a:txBody>
-                  <a:tcPr anchor="ctr"/>
-                </a:tc>
-                <a:tc>
-                  <a:txBody>
-                    <a:bodyPr/>
-                    <a:lstStyle/>
-                    <a:p>
-                      <a:pPr marL="0" marR="0" lvl="0" indent="0" algn="ctr" defTabSz="914400" rtl="0" eaLnBrk="1" fontAlgn="auto" latinLnBrk="0" hangingPunct="1">
-                        <a:lnSpc>
-                          <a:spcPct val="100000"/>
-                        </a:lnSpc>
-                        <a:spcBef>
-                          <a:spcPts val="0"/>
-                        </a:spcBef>
-                        <a:spcAft>
-                          <a:spcPts val="0"/>
-                        </a:spcAft>
-                        <a:buClrTx/>
-                        <a:buSzTx/>
-                        <a:buFontTx/>
-                        <a:buNone/>
-                        <a:tabLst/>
-                        <a:defRPr/>
-                      </a:pPr>
-                      <a:r>
-                        <a:rPr lang="en-GB" sz="1800" b="0" i="0" kern="1200" dirty="0">
-                          <a:solidFill>
-                            <a:schemeClr val="dk1"/>
-                          </a:solidFill>
-                          <a:effectLst/>
-                          <a:latin typeface="+mn-lt"/>
-                          <a:ea typeface="+mn-ea"/>
-                          <a:cs typeface="+mn-cs"/>
-                        </a:rPr>
-                        <a:t>0.21</a:t>
-                      </a:r>
-                    </a:p>
-                  </a:txBody>
-                  <a:tcPr anchor="ctr"/>
-                </a:tc>
-                <a:tc>
-                  <a:txBody>
-                    <a:bodyPr/>
-                    <a:lstStyle/>
-                    <a:p>
-                      <a:pPr marL="0" marR="0" lvl="0" indent="0" algn="ctr" defTabSz="914400" rtl="0" eaLnBrk="1" fontAlgn="auto" latinLnBrk="0" hangingPunct="1">
-                        <a:lnSpc>
-                          <a:spcPct val="100000"/>
-                        </a:lnSpc>
-                        <a:spcBef>
-                          <a:spcPts val="0"/>
-                        </a:spcBef>
-                        <a:spcAft>
-                          <a:spcPts val="0"/>
-                        </a:spcAft>
-                        <a:buClrTx/>
-                        <a:buSzTx/>
-                        <a:buFontTx/>
-                        <a:buNone/>
-                        <a:tabLst/>
-                        <a:defRPr/>
-                      </a:pPr>
-                      <a:r>
-                        <a:rPr lang="en-GB" sz="1800" b="0" i="0" kern="1200" dirty="0">
-                          <a:solidFill>
-                            <a:schemeClr val="dk1"/>
-                          </a:solidFill>
-                          <a:effectLst/>
-                          <a:latin typeface="+mn-lt"/>
-                          <a:ea typeface="+mn-ea"/>
-                          <a:cs typeface="+mn-cs"/>
-                        </a:rPr>
-                        <a:t>0.12</a:t>
-                      </a:r>
-                    </a:p>
-                  </a:txBody>
-                  <a:tcPr anchor="ctr"/>
-                </a:tc>
-                <a:tc>
-                  <a:txBody>
-                    <a:bodyPr/>
-                    <a:lstStyle/>
-                    <a:p>
-                      <a:pPr marL="0" marR="0" lvl="0" indent="0" algn="ctr" defTabSz="914400" rtl="0" eaLnBrk="1" fontAlgn="auto" latinLnBrk="0" hangingPunct="1">
-                        <a:lnSpc>
-                          <a:spcPct val="100000"/>
-                        </a:lnSpc>
-                        <a:spcBef>
-                          <a:spcPts val="0"/>
-                        </a:spcBef>
-                        <a:spcAft>
-                          <a:spcPts val="0"/>
-                        </a:spcAft>
-                        <a:buClrTx/>
-                        <a:buSzTx/>
-                        <a:buFontTx/>
-                        <a:buNone/>
-                        <a:tabLst/>
-                        <a:defRPr/>
-                      </a:pPr>
-                      <a:r>
-                        <a:rPr lang="en-GB" sz="1800" b="0" i="0" kern="1200" dirty="0">
-                          <a:solidFill>
-                            <a:schemeClr val="dk1"/>
-                          </a:solidFill>
-                          <a:effectLst/>
-                          <a:latin typeface="+mn-lt"/>
-                          <a:ea typeface="+mn-ea"/>
-                          <a:cs typeface="+mn-cs"/>
-                        </a:rPr>
-                        <a:t>0.25</a:t>
-                      </a:r>
-                    </a:p>
-                  </a:txBody>
-                  <a:tcPr anchor="ctr"/>
-                </a:tc>
-                <a:extLst>
-                  <a:ext uri="{0D108BD9-81ED-4DB2-BD59-A6C34878D82A}">
-                    <a16:rowId xmlns:a16="http://schemas.microsoft.com/office/drawing/2014/main" val="2229589503"/>
-                  </a:ext>
-                </a:extLst>
-              </a:tr>
-            </a:tbl>
-          </a:graphicData>
-        </a:graphic>
-      </p:graphicFrame>
       <p:sp>
         <p:nvSpPr>
           <p:cNvPr id="7" name="TextBox 6">
@@ -16069,7 +15185,7 @@
         </p:nvSpPr>
         <p:spPr bwMode="auto">
           <a:xfrm>
-            <a:off x="1360467" y="21109974"/>
+            <a:off x="1087175" y="20331327"/>
             <a:ext cx="8286095" cy="369332"/>
           </a:xfrm>
           <a:prstGeom prst="rect">
@@ -16109,73 +15225,7 @@
                 <a:latin typeface="Arial" panose="020B0604020202020204" pitchFamily="34" charset="0"/>
                 <a:cs typeface="Arial" panose="020B0604020202020204" pitchFamily="34" charset="0"/>
               </a:rPr>
-              <a:t>Minimum Distance</a:t>
-            </a:r>
-            <a:endParaRPr lang="en-GB" sz="2400" b="1" kern="0" dirty="0">
-              <a:solidFill>
-                <a:schemeClr val="tx2"/>
-              </a:solidFill>
-              <a:latin typeface="Arial" panose="020B0604020202020204" pitchFamily="34" charset="0"/>
-              <a:cs typeface="Arial" panose="020B0604020202020204" pitchFamily="34" charset="0"/>
-            </a:endParaRPr>
-          </a:p>
-        </p:txBody>
-      </p:sp>
-      <p:sp>
-        <p:nvSpPr>
-          <p:cNvPr id="9" name="TextBox 8">
-            <a:extLst>
-              <a:ext uri="{FF2B5EF4-FFF2-40B4-BE49-F238E27FC236}">
-                <a16:creationId xmlns:a16="http://schemas.microsoft.com/office/drawing/2014/main" id="{263350C3-32B4-2CDA-44C1-6FD49405D777}"/>
-              </a:ext>
-            </a:extLst>
-          </p:cNvPr>
-          <p:cNvSpPr txBox="1"/>
-          <p:nvPr/>
-        </p:nvSpPr>
-        <p:spPr bwMode="auto">
-          <a:xfrm>
-            <a:off x="12431860" y="21082757"/>
-            <a:ext cx="8195693" cy="369332"/>
-          </a:xfrm>
-          <a:prstGeom prst="rect">
-            <a:avLst/>
-          </a:prstGeom>
-          <a:noFill/>
-          <a:ln w="9525">
-            <a:noFill/>
-            <a:miter lim="800000"/>
-            <a:headEnd/>
-            <a:tailEnd/>
-          </a:ln>
-          <a:effectLst/>
-        </p:spPr>
-        <p:txBody>
-          <a:bodyPr wrap="square" lIns="0" tIns="0" rIns="0" bIns="0" rtlCol="0" anchor="ctr">
-            <a:spAutoFit/>
-          </a:bodyPr>
-          <a:lstStyle/>
-          <a:p>
-            <a:pPr marL="455613" indent="-455613" algn="ctr" defTabSz="2952750" eaLnBrk="0" hangingPunct="0">
-              <a:spcBef>
-                <a:spcPts val="4400"/>
-              </a:spcBef>
-              <a:spcAft>
-                <a:spcPts val="0"/>
-              </a:spcAft>
-              <a:buClr>
-                <a:schemeClr val="tx2"/>
-              </a:buClr>
-            </a:pPr>
-            <a:r>
-              <a:rPr lang="en-US" sz="2400" b="1" kern="0" dirty="0">
-                <a:solidFill>
-                  <a:schemeClr val="tx2"/>
-                </a:solidFill>
-                <a:latin typeface="Arial" panose="020B0604020202020204" pitchFamily="34" charset="0"/>
-                <a:cs typeface="Arial" panose="020B0604020202020204" pitchFamily="34" charset="0"/>
-              </a:rPr>
-              <a:t>Minimum Distance</a:t>
+              <a:t>Minimum Distance Table</a:t>
             </a:r>
             <a:endParaRPr lang="en-GB" sz="2400" b="1" kern="0" dirty="0">
               <a:solidFill>
@@ -16278,10 +15328,10 @@
       </p:sp>
       <p:sp>
         <p:nvSpPr>
-          <p:cNvPr id="22" name="TextBox 21">
+          <p:cNvPr id="24" name="TextBox 23">
             <a:extLst>
               <a:ext uri="{FF2B5EF4-FFF2-40B4-BE49-F238E27FC236}">
-                <a16:creationId xmlns:a16="http://schemas.microsoft.com/office/drawing/2014/main" id="{9CE0BD2B-30A1-2D2B-09C8-D011DBAA4C69}"/>
+                <a16:creationId xmlns:a16="http://schemas.microsoft.com/office/drawing/2014/main" id="{5E5FD1CF-121E-C768-6474-E4F704FDE3EC}"/>
               </a:ext>
             </a:extLst>
           </p:cNvPr>
@@ -16290,8 +15340,8 @@
         </p:nvSpPr>
         <p:spPr bwMode="auto">
           <a:xfrm>
-            <a:off x="284831" y="22643895"/>
-            <a:ext cx="9748815" cy="270715"/>
+            <a:off x="1404009" y="27943760"/>
+            <a:ext cx="8286095" cy="436723"/>
           </a:xfrm>
           <a:prstGeom prst="rect">
             <a:avLst/>
@@ -16311,85 +15361,6 @@
           </a:bodyPr>
           <a:lstStyle/>
           <a:p>
-            <a:pPr marL="455613" indent="-455613" algn="ctr" defTabSz="2952750" eaLnBrk="0" hangingPunct="0">
-              <a:lnSpc>
-                <a:spcPct val="105000"/>
-              </a:lnSpc>
-              <a:spcBef>
-                <a:spcPts val="4400"/>
-              </a:spcBef>
-              <a:spcAft>
-                <a:spcPts val="0"/>
-              </a:spcAft>
-              <a:buClr>
-                <a:schemeClr val="tx2"/>
-              </a:buClr>
-            </a:pPr>
-            <a:r>
-              <a:rPr lang="en-US" sz="1800" b="1" kern="0" dirty="0">
-                <a:solidFill>
-                  <a:schemeClr val="accent1"/>
-                </a:solidFill>
-                <a:latin typeface="Arial" panose="020B0604020202020204" pitchFamily="34" charset="0"/>
-                <a:cs typeface="Arial" panose="020B0604020202020204" pitchFamily="34" charset="0"/>
-              </a:rPr>
-              <a:t>Table 1: </a:t>
-            </a:r>
-            <a:r>
-              <a:rPr lang="en-US" sz="1800" i="1" kern="0" dirty="0">
-                <a:solidFill>
-                  <a:schemeClr val="accent1"/>
-                </a:solidFill>
-                <a:latin typeface="Arial" panose="020B0604020202020204" pitchFamily="34" charset="0"/>
-                <a:cs typeface="Arial" panose="020B0604020202020204" pitchFamily="34" charset="0"/>
-              </a:rPr>
-              <a:t>Minimum distances between reference trajectory and targets</a:t>
-            </a:r>
-            <a:endParaRPr lang="en-GB" sz="1800" i="1" kern="0" dirty="0">
-              <a:solidFill>
-                <a:schemeClr val="accent1"/>
-              </a:solidFill>
-              <a:latin typeface="Arial" panose="020B0604020202020204" pitchFamily="34" charset="0"/>
-              <a:cs typeface="Arial" panose="020B0604020202020204" pitchFamily="34" charset="0"/>
-            </a:endParaRPr>
-          </a:p>
-        </p:txBody>
-      </p:sp>
-      <p:sp>
-        <p:nvSpPr>
-          <p:cNvPr id="24" name="TextBox 23">
-            <a:extLst>
-              <a:ext uri="{FF2B5EF4-FFF2-40B4-BE49-F238E27FC236}">
-                <a16:creationId xmlns:a16="http://schemas.microsoft.com/office/drawing/2014/main" id="{5E5FD1CF-121E-C768-6474-E4F704FDE3EC}"/>
-              </a:ext>
-            </a:extLst>
-          </p:cNvPr>
-          <p:cNvSpPr txBox="1"/>
-          <p:nvPr/>
-        </p:nvSpPr>
-        <p:spPr bwMode="auto">
-          <a:xfrm>
-            <a:off x="1404009" y="27966910"/>
-            <a:ext cx="8286095" cy="852413"/>
-          </a:xfrm>
-          <a:prstGeom prst="rect">
-            <a:avLst/>
-          </a:prstGeom>
-          <a:noFill/>
-          <a:ln w="9525">
-            <a:noFill/>
-            <a:miter lim="800000"/>
-            <a:headEnd/>
-            <a:tailEnd/>
-          </a:ln>
-          <a:effectLst/>
-        </p:spPr>
-        <p:txBody>
-          <a:bodyPr wrap="square" lIns="0" tIns="0" rIns="0" bIns="0" rtlCol="0">
-            <a:spAutoFit/>
-          </a:bodyPr>
-          <a:lstStyle/>
-          <a:p>
             <a:pPr marL="455613" indent="-455613" algn="l" defTabSz="2952750" eaLnBrk="0" hangingPunct="0">
               <a:lnSpc>
                 <a:spcPct val="105000"/>
@@ -16405,7 +15376,7 @@
               </a:buClr>
             </a:pPr>
             <a:r>
-              <a:rPr lang="en-US" sz="1800" b="1" kern="0" dirty="0">
+              <a:rPr lang="en-US" sz="1400" b="1" kern="0" dirty="0">
                 <a:solidFill>
                   <a:schemeClr val="accent1"/>
                 </a:solidFill>
@@ -16415,56 +15386,16 @@
               <a:t>Figure 3:</a:t>
             </a:r>
             <a:r>
-              <a:rPr lang="en-US" sz="1800" i="1" kern="0" dirty="0">
+              <a:rPr lang="en-US" sz="1400" i="1" kern="0" dirty="0">
                 <a:solidFill>
                   <a:schemeClr val="accent1"/>
                 </a:solidFill>
                 <a:latin typeface="Arial" panose="020B0604020202020204" pitchFamily="34" charset="0"/>
                 <a:cs typeface="Arial" panose="020B0604020202020204" pitchFamily="34" charset="0"/>
               </a:rPr>
-              <a:t> Shows the joint velocities following optimization for the ref</a:t>
-            </a:r>
-            <a:r>
-              <a:rPr lang="en-US" sz="1800" i="1" kern="0">
-                <a:solidFill>
-                  <a:schemeClr val="accent1"/>
-                </a:solidFill>
-                <a:latin typeface="Arial" panose="020B0604020202020204" pitchFamily="34" charset="0"/>
-                <a:cs typeface="Arial" panose="020B0604020202020204" pitchFamily="34" charset="0"/>
-              </a:rPr>
-              <a:t>, sim and </a:t>
-            </a:r>
-            <a:r>
-              <a:rPr lang="en-US" sz="1800" i="1" kern="0" dirty="0">
-                <a:solidFill>
-                  <a:schemeClr val="accent1"/>
-                </a:solidFill>
-                <a:latin typeface="Arial" panose="020B0604020202020204" pitchFamily="34" charset="0"/>
-                <a:cs typeface="Arial" panose="020B0604020202020204" pitchFamily="34" charset="0"/>
-              </a:rPr>
-              <a:t>physical </a:t>
-            </a:r>
-            <a:r>
-              <a:rPr lang="en-US" sz="1800" i="1" kern="0">
-                <a:solidFill>
-                  <a:schemeClr val="accent1"/>
-                </a:solidFill>
-                <a:latin typeface="Arial" panose="020B0604020202020204" pitchFamily="34" charset="0"/>
-                <a:cs typeface="Arial" panose="020B0604020202020204" pitchFamily="34" charset="0"/>
-              </a:rPr>
-              <a:t>robot (x1).  </a:t>
-            </a:r>
-            <a:r>
-              <a:rPr lang="en-US" sz="1800" i="1" kern="0" dirty="0">
-                <a:solidFill>
-                  <a:schemeClr val="accent1"/>
-                </a:solidFill>
-                <a:latin typeface="Arial" panose="020B0604020202020204" pitchFamily="34" charset="0"/>
-                <a:cs typeface="Arial" panose="020B0604020202020204" pitchFamily="34" charset="0"/>
-              </a:rPr>
-              <a:t>The observed variations result from changes in the section switching and prefilter parameters</a:t>
-            </a:r>
-            <a:endParaRPr lang="en-GB" sz="1800" i="1" kern="0" dirty="0">
+              <a:t> Shows the joint velocities following optimization for the ref, sim and physical robot (x1).  The observed variations result from changes in the section switching and prefilter parameters</a:t>
+            </a:r>
+            <a:endParaRPr lang="en-GB" sz="1400" i="1" kern="0" dirty="0">
               <a:solidFill>
                 <a:schemeClr val="accent1"/>
               </a:solidFill>
@@ -16488,7 +15419,7 @@
         </p:nvSpPr>
         <p:spPr bwMode="auto">
           <a:xfrm>
-            <a:off x="11699346" y="20202421"/>
+            <a:off x="11603596" y="19794905"/>
             <a:ext cx="8794908" cy="561564"/>
           </a:xfrm>
           <a:prstGeom prst="rect">
@@ -16623,85 +15554,6 @@
               <a:t>The velocity switches upon reaching its maximum value</a:t>
             </a:r>
             <a:endParaRPr lang="en-GB" sz="1800" i="1" kern="0" dirty="0">
-              <a:solidFill>
-                <a:schemeClr val="accent1"/>
-              </a:solidFill>
-              <a:latin typeface="Arial" panose="020B0604020202020204" pitchFamily="34" charset="0"/>
-              <a:cs typeface="Arial" panose="020B0604020202020204" pitchFamily="34" charset="0"/>
-            </a:endParaRPr>
-          </a:p>
-        </p:txBody>
-      </p:sp>
-      <p:sp>
-        <p:nvSpPr>
-          <p:cNvPr id="28" name="TextBox 27">
-            <a:extLst>
-              <a:ext uri="{FF2B5EF4-FFF2-40B4-BE49-F238E27FC236}">
-                <a16:creationId xmlns:a16="http://schemas.microsoft.com/office/drawing/2014/main" id="{B93E9063-743C-28C7-C3D8-B3F0B34B14F9}"/>
-              </a:ext>
-            </a:extLst>
-          </p:cNvPr>
-          <p:cNvSpPr txBox="1"/>
-          <p:nvPr/>
-        </p:nvSpPr>
-        <p:spPr bwMode="auto">
-          <a:xfrm>
-            <a:off x="11920355" y="22652489"/>
-            <a:ext cx="8748034" cy="270715"/>
-          </a:xfrm>
-          <a:prstGeom prst="rect">
-            <a:avLst/>
-          </a:prstGeom>
-          <a:noFill/>
-          <a:ln w="9525">
-            <a:noFill/>
-            <a:miter lim="800000"/>
-            <a:headEnd/>
-            <a:tailEnd/>
-          </a:ln>
-          <a:effectLst/>
-        </p:spPr>
-        <p:txBody>
-          <a:bodyPr wrap="square" lIns="0" tIns="0" rIns="0" bIns="0" rtlCol="0">
-            <a:spAutoFit/>
-          </a:bodyPr>
-          <a:lstStyle/>
-          <a:p>
-            <a:pPr marL="455613" indent="-455613" algn="ctr" defTabSz="2952750" eaLnBrk="0" hangingPunct="0">
-              <a:lnSpc>
-                <a:spcPct val="105000"/>
-              </a:lnSpc>
-              <a:spcBef>
-                <a:spcPts val="4400"/>
-              </a:spcBef>
-              <a:spcAft>
-                <a:spcPts val="0"/>
-              </a:spcAft>
-              <a:buClr>
-                <a:schemeClr val="tx2"/>
-              </a:buClr>
-            </a:pPr>
-            <a:r>
-              <a:rPr lang="en-US" sz="1800" b="1" kern="0" dirty="0">
-                <a:solidFill>
-                  <a:schemeClr val="accent1"/>
-                </a:solidFill>
-                <a:latin typeface="Arial" panose="020B0604020202020204" pitchFamily="34" charset="0"/>
-                <a:cs typeface="Arial" panose="020B0604020202020204" pitchFamily="34" charset="0"/>
-              </a:rPr>
-              <a:t>Table 2: </a:t>
-            </a:r>
-            <a:r>
-              <a:rPr lang="en-US" sz="1800" i="1" kern="0" dirty="0">
-                <a:solidFill>
-                  <a:schemeClr val="accent1"/>
-                </a:solidFill>
-                <a:latin typeface="Arial" panose="020B0604020202020204" pitchFamily="34" charset="0"/>
-                <a:cs typeface="Arial" panose="020B0604020202020204" pitchFamily="34" charset="0"/>
-              </a:rPr>
-              <a:t>Minimum distances between reference trajectory and targets</a:t>
-            </a:r>
-            <a:endParaRPr lang="en-GB" sz="1800" kern="0" dirty="0">
               <a:solidFill>
                 <a:schemeClr val="accent1"/>
               </a:solidFill>
@@ -17670,8 +16522,8 @@
         </p:blipFill>
         <p:spPr>
           <a:xfrm>
-            <a:off x="719198" y="23116045"/>
-            <a:ext cx="9311509" cy="4809470"/>
+            <a:off x="815811" y="23586087"/>
+            <a:ext cx="9311509" cy="4165592"/>
           </a:xfrm>
           <a:prstGeom prst="roundRect">
             <a:avLst/>
@@ -17680,10 +16532,10 @@
       </p:pic>
       <p:pic>
         <p:nvPicPr>
-          <p:cNvPr id="38" name="Picture 37" descr="A graph of a graph&#10;&#10;AI-generated content may be incorrect.">
+          <p:cNvPr id="41" name="Picture 40" descr="A screenshot of a graph&#10;&#10;AI-generated content may be incorrect.">
             <a:extLst>
               <a:ext uri="{FF2B5EF4-FFF2-40B4-BE49-F238E27FC236}">
-                <a16:creationId xmlns:a16="http://schemas.microsoft.com/office/drawing/2014/main" id="{D74B8C85-A556-D5BB-A436-C413AB05B9F1}"/>
+                <a16:creationId xmlns:a16="http://schemas.microsoft.com/office/drawing/2014/main" id="{3871F032-6AC3-D5E2-3E93-50EF8F47621E}"/>
               </a:ext>
             </a:extLst>
           </p:cNvPr>
@@ -17706,44 +16558,8 @@
         </p:blipFill>
         <p:spPr>
           <a:xfrm>
-            <a:off x="11617229" y="14406236"/>
-            <a:ext cx="8767644" cy="5634724"/>
-          </a:xfrm>
-          <a:prstGeom prst="roundRect">
-            <a:avLst/>
-          </a:prstGeom>
-        </p:spPr>
-      </p:pic>
-      <p:pic>
-        <p:nvPicPr>
-          <p:cNvPr id="41" name="Picture 40" descr="A screenshot of a graph&#10;&#10;AI-generated content may be incorrect.">
-            <a:extLst>
-              <a:ext uri="{FF2B5EF4-FFF2-40B4-BE49-F238E27FC236}">
-                <a16:creationId xmlns:a16="http://schemas.microsoft.com/office/drawing/2014/main" id="{3871F032-6AC3-D5E2-3E93-50EF8F47621E}"/>
-              </a:ext>
-            </a:extLst>
-          </p:cNvPr>
-          <p:cNvPicPr>
-            <a:picLocks noChangeAspect="1"/>
-          </p:cNvPicPr>
-          <p:nvPr/>
-        </p:nvPicPr>
-        <p:blipFill>
-          <a:blip r:embed="rId5" cstate="print">
-            <a:extLst>
-              <a:ext uri="{28A0092B-C50C-407E-A947-70E740481C1C}">
-                <a14:useLocalDpi xmlns:a14="http://schemas.microsoft.com/office/drawing/2010/main" val="0"/>
-              </a:ext>
-            </a:extLst>
-          </a:blip>
-          <a:stretch>
-            <a:fillRect/>
-          </a:stretch>
-        </p:blipFill>
-        <p:spPr>
-          <a:xfrm>
-            <a:off x="11304354" y="23188615"/>
-            <a:ext cx="9134316" cy="4754627"/>
+            <a:off x="11304354" y="23586087"/>
+            <a:ext cx="9134316" cy="4165592"/>
           </a:xfrm>
           <a:prstGeom prst="roundRect">
             <a:avLst/>
@@ -17765,10 +16581,10 @@
           <p:nvPr/>
         </p:nvPicPr>
         <p:blipFill>
-          <a:blip r:embed="rId6">
+          <a:blip r:embed="rId5">
             <a:extLst>
               <a:ext uri="{96DAC541-7B7A-43D3-8B79-37D633B846F1}">
-                <asvg:svgBlip xmlns:asvg="http://schemas.microsoft.com/office/drawing/2016/SVG/main" r:embed="rId7"/>
+                <asvg:svgBlip xmlns:asvg="http://schemas.microsoft.com/office/drawing/2016/SVG/main" r:embed="rId6"/>
               </a:ext>
             </a:extLst>
           </a:blip>
@@ -17801,7 +16617,7 @@
           <p:nvPr/>
         </p:nvPicPr>
         <p:blipFill>
-          <a:blip r:embed="rId8" cstate="print">
+          <a:blip r:embed="rId7" cstate="print">
             <a:extLst>
               <a:ext uri="{28A0092B-C50C-407E-A947-70E740481C1C}">
                 <a14:useLocalDpi xmlns:a14="http://schemas.microsoft.com/office/drawing/2010/main" val="0"/>
@@ -17822,42 +16638,6 @@
           </a:prstGeom>
         </p:spPr>
       </p:pic>
-      <p:pic>
-        <p:nvPicPr>
-          <p:cNvPr id="13" name="Graphic 12">
-            <a:extLst>
-              <a:ext uri="{FF2B5EF4-FFF2-40B4-BE49-F238E27FC236}">
-                <a16:creationId xmlns:a16="http://schemas.microsoft.com/office/drawing/2014/main" id="{22AD9468-D94B-50D6-C3C8-2F8AF1BFCFC7}"/>
-              </a:ext>
-            </a:extLst>
-          </p:cNvPr>
-          <p:cNvPicPr>
-            <a:picLocks noChangeAspect="1"/>
-          </p:cNvPicPr>
-          <p:nvPr/>
-        </p:nvPicPr>
-        <p:blipFill>
-          <a:blip r:embed="rId9">
-            <a:extLst>
-              <a:ext uri="{96DAC541-7B7A-43D3-8B79-37D633B846F1}">
-                <asvg:svgBlip xmlns:asvg="http://schemas.microsoft.com/office/drawing/2016/SVG/main" r:embed="rId10"/>
-              </a:ext>
-            </a:extLst>
-          </a:blip>
-          <a:stretch>
-            <a:fillRect/>
-          </a:stretch>
-        </p:blipFill>
-        <p:spPr>
-          <a:xfrm>
-            <a:off x="873131" y="14822163"/>
-            <a:ext cx="8986409" cy="5990939"/>
-          </a:xfrm>
-          <a:prstGeom prst="roundRect">
-            <a:avLst/>
-          </a:prstGeom>
-        </p:spPr>
-      </p:pic>
       <p:sp>
         <p:nvSpPr>
           <p:cNvPr id="21" name="TextBox 20">
@@ -17872,7 +16652,7 @@
         </p:nvSpPr>
         <p:spPr bwMode="auto">
           <a:xfrm>
-            <a:off x="1041615" y="20309721"/>
+            <a:off x="1228509" y="19715005"/>
             <a:ext cx="8292885" cy="499111"/>
           </a:xfrm>
           <a:prstGeom prst="rect">
@@ -17940,6 +16720,1240 @@
             <a:endParaRPr lang="en-GB" sz="1600" i="1" kern="0" dirty="0">
               <a:solidFill>
                 <a:schemeClr val="accent1"/>
+              </a:solidFill>
+              <a:latin typeface="Arial" panose="020B0604020202020204" pitchFamily="34" charset="0"/>
+              <a:cs typeface="Arial" panose="020B0604020202020204" pitchFamily="34" charset="0"/>
+            </a:endParaRPr>
+          </a:p>
+        </p:txBody>
+      </p:sp>
+      <p:pic>
+        <p:nvPicPr>
+          <p:cNvPr id="10" name="Picture 9" descr="A graph of a graph&#10;&#10;AI-generated content may be incorrect.">
+            <a:extLst>
+              <a:ext uri="{FF2B5EF4-FFF2-40B4-BE49-F238E27FC236}">
+                <a16:creationId xmlns:a16="http://schemas.microsoft.com/office/drawing/2014/main" id="{63E2021C-408C-C5AC-DA16-2B03B5D3676E}"/>
+              </a:ext>
+            </a:extLst>
+          </p:cNvPr>
+          <p:cNvPicPr>
+            <a:picLocks noChangeAspect="1"/>
+          </p:cNvPicPr>
+          <p:nvPr/>
+        </p:nvPicPr>
+        <p:blipFill>
+          <a:blip r:embed="rId8" cstate="print">
+            <a:extLst>
+              <a:ext uri="{28A0092B-C50C-407E-A947-70E740481C1C}">
+                <a14:useLocalDpi xmlns:a14="http://schemas.microsoft.com/office/drawing/2010/main" val="0"/>
+              </a:ext>
+            </a:extLst>
+          </a:blip>
+          <a:stretch>
+            <a:fillRect/>
+          </a:stretch>
+        </p:blipFill>
+        <p:spPr>
+          <a:xfrm>
+            <a:off x="11304354" y="14485258"/>
+            <a:ext cx="8986408" cy="5229748"/>
+          </a:xfrm>
+          <a:prstGeom prst="rect">
+            <a:avLst/>
+          </a:prstGeom>
+        </p:spPr>
+      </p:pic>
+      <p:pic>
+        <p:nvPicPr>
+          <p:cNvPr id="17" name="Picture 16" descr="A diagram of a graph&#10;&#10;AI-generated content may be incorrect.">
+            <a:extLst>
+              <a:ext uri="{FF2B5EF4-FFF2-40B4-BE49-F238E27FC236}">
+                <a16:creationId xmlns:a16="http://schemas.microsoft.com/office/drawing/2014/main" id="{8658F301-883E-84B6-5F3F-2D90AE9A65A2}"/>
+              </a:ext>
+            </a:extLst>
+          </p:cNvPr>
+          <p:cNvPicPr>
+            <a:picLocks noChangeAspect="1"/>
+          </p:cNvPicPr>
+          <p:nvPr/>
+        </p:nvPicPr>
+        <p:blipFill>
+          <a:blip r:embed="rId9" cstate="print">
+            <a:extLst>
+              <a:ext uri="{28A0092B-C50C-407E-A947-70E740481C1C}">
+                <a14:useLocalDpi xmlns:a14="http://schemas.microsoft.com/office/drawing/2010/main" val="0"/>
+              </a:ext>
+            </a:extLst>
+          </a:blip>
+          <a:stretch>
+            <a:fillRect/>
+          </a:stretch>
+        </p:blipFill>
+        <p:spPr>
+          <a:xfrm>
+            <a:off x="901251" y="14438173"/>
+            <a:ext cx="9057227" cy="5300117"/>
+          </a:xfrm>
+          <a:prstGeom prst="rect">
+            <a:avLst/>
+          </a:prstGeom>
+        </p:spPr>
+      </p:pic>
+      <p:graphicFrame>
+        <p:nvGraphicFramePr>
+          <p:cNvPr id="23" name="Table 22">
+            <a:extLst>
+              <a:ext uri="{FF2B5EF4-FFF2-40B4-BE49-F238E27FC236}">
+                <a16:creationId xmlns:a16="http://schemas.microsoft.com/office/drawing/2014/main" id="{B59AE1B7-B500-5A1A-0AE6-60E662E412F2}"/>
+              </a:ext>
+            </a:extLst>
+          </p:cNvPr>
+          <p:cNvGraphicFramePr>
+            <a:graphicFrameLocks noGrp="1"/>
+          </p:cNvGraphicFramePr>
+          <p:nvPr>
+            <p:extLst>
+              <p:ext uri="{D42A27DB-BD31-4B8C-83A1-F6EECF244321}">
+                <p14:modId xmlns:p14="http://schemas.microsoft.com/office/powerpoint/2010/main" val="548321435"/>
+              </p:ext>
+            </p:extLst>
+          </p:nvPr>
+        </p:nvGraphicFramePr>
+        <p:xfrm>
+          <a:off x="1063196" y="20718905"/>
+          <a:ext cx="8334055" cy="1849120"/>
+        </p:xfrm>
+        <a:graphic>
+          <a:graphicData uri="http://schemas.openxmlformats.org/drawingml/2006/table">
+            <a:tbl>
+              <a:tblPr firstRow="1" bandRow="1">
+                <a:tableStyleId>{5C22544A-7EE6-4342-B048-85BDC9FD1C3A}</a:tableStyleId>
+              </a:tblPr>
+              <a:tblGrid>
+                <a:gridCol w="2741930">
+                  <a:extLst>
+                    <a:ext uri="{9D8B030D-6E8A-4147-A177-3AD203B41FA5}">
+                      <a16:colId xmlns:a16="http://schemas.microsoft.com/office/drawing/2014/main" val="2417381953"/>
+                    </a:ext>
+                  </a:extLst>
+                </a:gridCol>
+                <a:gridCol w="1118425">
+                  <a:extLst>
+                    <a:ext uri="{9D8B030D-6E8A-4147-A177-3AD203B41FA5}">
+                      <a16:colId xmlns:a16="http://schemas.microsoft.com/office/drawing/2014/main" val="659178708"/>
+                    </a:ext>
+                  </a:extLst>
+                </a:gridCol>
+                <a:gridCol w="1118425">
+                  <a:extLst>
+                    <a:ext uri="{9D8B030D-6E8A-4147-A177-3AD203B41FA5}">
+                      <a16:colId xmlns:a16="http://schemas.microsoft.com/office/drawing/2014/main" val="4261565438"/>
+                    </a:ext>
+                  </a:extLst>
+                </a:gridCol>
+                <a:gridCol w="1118425">
+                  <a:extLst>
+                    <a:ext uri="{9D8B030D-6E8A-4147-A177-3AD203B41FA5}">
+                      <a16:colId xmlns:a16="http://schemas.microsoft.com/office/drawing/2014/main" val="1022516050"/>
+                    </a:ext>
+                  </a:extLst>
+                </a:gridCol>
+                <a:gridCol w="1118425">
+                  <a:extLst>
+                    <a:ext uri="{9D8B030D-6E8A-4147-A177-3AD203B41FA5}">
+                      <a16:colId xmlns:a16="http://schemas.microsoft.com/office/drawing/2014/main" val="3843907607"/>
+                    </a:ext>
+                  </a:extLst>
+                </a:gridCol>
+                <a:gridCol w="1118425">
+                  <a:extLst>
+                    <a:ext uri="{9D8B030D-6E8A-4147-A177-3AD203B41FA5}">
+                      <a16:colId xmlns:a16="http://schemas.microsoft.com/office/drawing/2014/main" val="1736619387"/>
+                    </a:ext>
+                  </a:extLst>
+                </a:gridCol>
+              </a:tblGrid>
+              <a:tr h="370840">
+                <a:tc>
+                  <a:txBody>
+                    <a:bodyPr/>
+                    <a:lstStyle/>
+                    <a:p>
+                      <a:pPr algn="ctr"/>
+                      <a:endParaRPr lang="en-GB" dirty="0"/>
+                    </a:p>
+                  </a:txBody>
+                  <a:tcPr/>
+                </a:tc>
+                <a:tc>
+                  <a:txBody>
+                    <a:bodyPr/>
+                    <a:lstStyle/>
+                    <a:p>
+                      <a:pPr algn="ctr"/>
+                      <a:r>
+                        <a:rPr lang="en-US" dirty="0"/>
+                        <a:t>Target 1</a:t>
+                      </a:r>
+                      <a:endParaRPr lang="en-GB" dirty="0"/>
+                    </a:p>
+                  </a:txBody>
+                  <a:tcPr/>
+                </a:tc>
+                <a:tc>
+                  <a:txBody>
+                    <a:bodyPr/>
+                    <a:lstStyle/>
+                    <a:p>
+                      <a:pPr algn="ctr"/>
+                      <a:r>
+                        <a:rPr lang="en-US" dirty="0"/>
+                        <a:t>Target 2</a:t>
+                      </a:r>
+                      <a:endParaRPr lang="en-GB" dirty="0"/>
+                    </a:p>
+                  </a:txBody>
+                  <a:tcPr/>
+                </a:tc>
+                <a:tc>
+                  <a:txBody>
+                    <a:bodyPr/>
+                    <a:lstStyle/>
+                    <a:p>
+                      <a:pPr algn="ctr"/>
+                      <a:r>
+                        <a:rPr lang="en-US" dirty="0"/>
+                        <a:t>Target 3</a:t>
+                      </a:r>
+                      <a:endParaRPr lang="en-GB" dirty="0"/>
+                    </a:p>
+                  </a:txBody>
+                  <a:tcPr/>
+                </a:tc>
+                <a:tc>
+                  <a:txBody>
+                    <a:bodyPr/>
+                    <a:lstStyle/>
+                    <a:p>
+                      <a:pPr algn="ctr"/>
+                      <a:r>
+                        <a:rPr lang="en-US" dirty="0"/>
+                        <a:t>Target 4</a:t>
+                      </a:r>
+                      <a:endParaRPr lang="en-GB" dirty="0"/>
+                    </a:p>
+                  </a:txBody>
+                  <a:tcPr/>
+                </a:tc>
+                <a:tc>
+                  <a:txBody>
+                    <a:bodyPr/>
+                    <a:lstStyle/>
+                    <a:p>
+                      <a:pPr algn="ctr"/>
+                      <a:r>
+                        <a:rPr lang="en-US" dirty="0"/>
+                        <a:t>Target 5</a:t>
+                      </a:r>
+                      <a:endParaRPr lang="en-GB" dirty="0"/>
+                    </a:p>
+                  </a:txBody>
+                  <a:tcPr/>
+                </a:tc>
+                <a:extLst>
+                  <a:ext uri="{0D108BD9-81ED-4DB2-BD59-A6C34878D82A}">
+                    <a16:rowId xmlns:a16="http://schemas.microsoft.com/office/drawing/2014/main" val="3991221483"/>
+                  </a:ext>
+                </a:extLst>
+              </a:tr>
+              <a:tr h="370840">
+                <a:tc>
+                  <a:txBody>
+                    <a:bodyPr/>
+                    <a:lstStyle/>
+                    <a:p>
+                      <a:r>
+                        <a:rPr lang="en-US" sz="1300" b="1" dirty="0"/>
+                        <a:t>Reference Trajectory</a:t>
+                      </a:r>
+                      <a:endParaRPr lang="en-GB" sz="1300" b="1" dirty="0"/>
+                    </a:p>
+                  </a:txBody>
+                  <a:tcPr/>
+                </a:tc>
+                <a:tc>
+                  <a:txBody>
+                    <a:bodyPr/>
+                    <a:lstStyle/>
+                    <a:p>
+                      <a:pPr algn="ctr"/>
+                      <a:r>
+                        <a:rPr lang="en-US" i="1" dirty="0"/>
+                        <a:t>0.13 mm</a:t>
+                      </a:r>
+                      <a:endParaRPr lang="en-GB" i="1" dirty="0"/>
+                    </a:p>
+                  </a:txBody>
+                  <a:tcPr/>
+                </a:tc>
+                <a:tc>
+                  <a:txBody>
+                    <a:bodyPr/>
+                    <a:lstStyle/>
+                    <a:p>
+                      <a:pPr algn="ctr"/>
+                      <a:r>
+                        <a:rPr lang="en-US" i="1" dirty="0"/>
+                        <a:t>0.03 mm</a:t>
+                      </a:r>
+                      <a:endParaRPr lang="en-GB" i="1" dirty="0"/>
+                    </a:p>
+                  </a:txBody>
+                  <a:tcPr/>
+                </a:tc>
+                <a:tc>
+                  <a:txBody>
+                    <a:bodyPr/>
+                    <a:lstStyle/>
+                    <a:p>
+                      <a:pPr algn="ctr"/>
+                      <a:r>
+                        <a:rPr lang="en-US" i="1" dirty="0"/>
+                        <a:t>0.2 mm</a:t>
+                      </a:r>
+                      <a:endParaRPr lang="en-GB" i="1" dirty="0"/>
+                    </a:p>
+                  </a:txBody>
+                  <a:tcPr/>
+                </a:tc>
+                <a:tc>
+                  <a:txBody>
+                    <a:bodyPr/>
+                    <a:lstStyle/>
+                    <a:p>
+                      <a:pPr algn="ctr"/>
+                      <a:r>
+                        <a:rPr lang="en-US" i="1" dirty="0"/>
+                        <a:t>0.12 mm</a:t>
+                      </a:r>
+                      <a:endParaRPr lang="en-GB" i="1" dirty="0"/>
+                    </a:p>
+                  </a:txBody>
+                  <a:tcPr/>
+                </a:tc>
+                <a:tc>
+                  <a:txBody>
+                    <a:bodyPr/>
+                    <a:lstStyle/>
+                    <a:p>
+                      <a:pPr algn="ctr"/>
+                      <a:r>
+                        <a:rPr lang="en-US" i="1" dirty="0"/>
+                        <a:t>0.24 mm</a:t>
+                      </a:r>
+                      <a:endParaRPr lang="en-GB" i="1" dirty="0"/>
+                    </a:p>
+                  </a:txBody>
+                  <a:tcPr/>
+                </a:tc>
+                <a:extLst>
+                  <a:ext uri="{0D108BD9-81ED-4DB2-BD59-A6C34878D82A}">
+                    <a16:rowId xmlns:a16="http://schemas.microsoft.com/office/drawing/2014/main" val="924302088"/>
+                  </a:ext>
+                </a:extLst>
+              </a:tr>
+              <a:tr h="370840">
+                <a:tc>
+                  <a:txBody>
+                    <a:bodyPr/>
+                    <a:lstStyle/>
+                    <a:p>
+                      <a:r>
+                        <a:rPr lang="en-US" sz="1300" b="1" dirty="0"/>
+                        <a:t>Simulation on digital twin</a:t>
+                      </a:r>
+                      <a:endParaRPr lang="en-GB" sz="1300" b="1" dirty="0"/>
+                    </a:p>
+                  </a:txBody>
+                  <a:tcPr/>
+                </a:tc>
+                <a:tc>
+                  <a:txBody>
+                    <a:bodyPr/>
+                    <a:lstStyle/>
+                    <a:p>
+                      <a:pPr algn="ctr"/>
+                      <a:r>
+                        <a:rPr lang="en-US" i="1" dirty="0"/>
+                        <a:t>0.03 mm</a:t>
+                      </a:r>
+                      <a:endParaRPr lang="en-GB" i="1" dirty="0"/>
+                    </a:p>
+                  </a:txBody>
+                  <a:tcPr/>
+                </a:tc>
+                <a:tc>
+                  <a:txBody>
+                    <a:bodyPr/>
+                    <a:lstStyle/>
+                    <a:p>
+                      <a:pPr algn="ctr"/>
+                      <a:r>
+                        <a:rPr lang="en-US" i="1" dirty="0"/>
+                        <a:t>0.1 mm</a:t>
+                      </a:r>
+                      <a:endParaRPr lang="en-GB" i="1" dirty="0"/>
+                    </a:p>
+                  </a:txBody>
+                  <a:tcPr/>
+                </a:tc>
+                <a:tc>
+                  <a:txBody>
+                    <a:bodyPr/>
+                    <a:lstStyle/>
+                    <a:p>
+                      <a:pPr algn="ctr"/>
+                      <a:r>
+                        <a:rPr lang="en-US" i="1" dirty="0"/>
+                        <a:t>0.15 mm</a:t>
+                      </a:r>
+                      <a:endParaRPr lang="en-GB" i="1" dirty="0"/>
+                    </a:p>
+                  </a:txBody>
+                  <a:tcPr/>
+                </a:tc>
+                <a:tc>
+                  <a:txBody>
+                    <a:bodyPr/>
+                    <a:lstStyle/>
+                    <a:p>
+                      <a:pPr algn="ctr"/>
+                      <a:r>
+                        <a:rPr lang="en-US" i="1" dirty="0"/>
+                        <a:t>0.19 mm</a:t>
+                      </a:r>
+                      <a:endParaRPr lang="en-GB" i="1" dirty="0"/>
+                    </a:p>
+                  </a:txBody>
+                  <a:tcPr/>
+                </a:tc>
+                <a:tc>
+                  <a:txBody>
+                    <a:bodyPr/>
+                    <a:lstStyle/>
+                    <a:p>
+                      <a:pPr algn="ctr"/>
+                      <a:r>
+                        <a:rPr lang="en-US" i="1" dirty="0"/>
+                        <a:t>0.14 mm</a:t>
+                      </a:r>
+                      <a:endParaRPr lang="en-GB" i="1" dirty="0"/>
+                    </a:p>
+                  </a:txBody>
+                  <a:tcPr/>
+                </a:tc>
+                <a:extLst>
+                  <a:ext uri="{0D108BD9-81ED-4DB2-BD59-A6C34878D82A}">
+                    <a16:rowId xmlns:a16="http://schemas.microsoft.com/office/drawing/2014/main" val="2335099053"/>
+                  </a:ext>
+                </a:extLst>
+              </a:tr>
+              <a:tr h="370840">
+                <a:tc>
+                  <a:txBody>
+                    <a:bodyPr/>
+                    <a:lstStyle/>
+                    <a:p>
+                      <a:r>
+                        <a:rPr lang="en-US" sz="1300" b="1" dirty="0"/>
+                        <a:t>Physical Robot at normal speed</a:t>
+                      </a:r>
+                      <a:endParaRPr lang="en-GB" sz="1300" b="1" dirty="0"/>
+                    </a:p>
+                  </a:txBody>
+                  <a:tcPr/>
+                </a:tc>
+                <a:tc>
+                  <a:txBody>
+                    <a:bodyPr/>
+                    <a:lstStyle/>
+                    <a:p>
+                      <a:pPr algn="ctr"/>
+                      <a:r>
+                        <a:rPr lang="en-US" i="1" dirty="0"/>
+                        <a:t>0.16 mm</a:t>
+                      </a:r>
+                      <a:endParaRPr lang="en-GB" i="1" dirty="0"/>
+                    </a:p>
+                  </a:txBody>
+                  <a:tcPr/>
+                </a:tc>
+                <a:tc>
+                  <a:txBody>
+                    <a:bodyPr/>
+                    <a:lstStyle/>
+                    <a:p>
+                      <a:pPr algn="ctr"/>
+                      <a:r>
+                        <a:rPr lang="en-US" i="1" dirty="0"/>
+                        <a:t>0.36 mm</a:t>
+                      </a:r>
+                      <a:endParaRPr lang="en-GB" i="1" dirty="0"/>
+                    </a:p>
+                  </a:txBody>
+                  <a:tcPr/>
+                </a:tc>
+                <a:tc>
+                  <a:txBody>
+                    <a:bodyPr/>
+                    <a:lstStyle/>
+                    <a:p>
+                      <a:pPr algn="ctr"/>
+                      <a:r>
+                        <a:rPr lang="en-US" i="1" dirty="0"/>
+                        <a:t>0.15 mm</a:t>
+                      </a:r>
+                      <a:endParaRPr lang="en-GB" i="1" dirty="0"/>
+                    </a:p>
+                  </a:txBody>
+                  <a:tcPr/>
+                </a:tc>
+                <a:tc>
+                  <a:txBody>
+                    <a:bodyPr/>
+                    <a:lstStyle/>
+                    <a:p>
+                      <a:pPr algn="ctr"/>
+                      <a:r>
+                        <a:rPr lang="en-US" i="1" dirty="0"/>
+                        <a:t>0.16 mm </a:t>
+                      </a:r>
+                      <a:endParaRPr lang="en-GB" i="1" dirty="0"/>
+                    </a:p>
+                  </a:txBody>
+                  <a:tcPr/>
+                </a:tc>
+                <a:tc>
+                  <a:txBody>
+                    <a:bodyPr/>
+                    <a:lstStyle/>
+                    <a:p>
+                      <a:pPr algn="ctr"/>
+                      <a:r>
+                        <a:rPr lang="en-US" i="1" dirty="0"/>
+                        <a:t>0.53 mm</a:t>
+                      </a:r>
+                      <a:endParaRPr lang="en-GB" i="1" dirty="0"/>
+                    </a:p>
+                  </a:txBody>
+                  <a:tcPr/>
+                </a:tc>
+                <a:extLst>
+                  <a:ext uri="{0D108BD9-81ED-4DB2-BD59-A6C34878D82A}">
+                    <a16:rowId xmlns:a16="http://schemas.microsoft.com/office/drawing/2014/main" val="4046613350"/>
+                  </a:ext>
+                </a:extLst>
+              </a:tr>
+              <a:tr h="0">
+                <a:tc>
+                  <a:txBody>
+                    <a:bodyPr/>
+                    <a:lstStyle/>
+                    <a:p>
+                      <a:r>
+                        <a:rPr lang="en-US" sz="1300" b="1" dirty="0"/>
+                        <a:t>Physical Robot at 4x speed</a:t>
+                      </a:r>
+                      <a:endParaRPr lang="en-GB" sz="1300" b="1" dirty="0"/>
+                    </a:p>
+                  </a:txBody>
+                  <a:tcPr/>
+                </a:tc>
+                <a:tc>
+                  <a:txBody>
+                    <a:bodyPr/>
+                    <a:lstStyle/>
+                    <a:p>
+                      <a:pPr algn="ctr"/>
+                      <a:r>
+                        <a:rPr lang="en-US" i="1" dirty="0"/>
+                        <a:t>0.23 mm</a:t>
+                      </a:r>
+                      <a:endParaRPr lang="en-GB" i="1" dirty="0"/>
+                    </a:p>
+                  </a:txBody>
+                  <a:tcPr/>
+                </a:tc>
+                <a:tc>
+                  <a:txBody>
+                    <a:bodyPr/>
+                    <a:lstStyle/>
+                    <a:p>
+                      <a:pPr algn="ctr"/>
+                      <a:r>
+                        <a:rPr lang="en-US" i="1" dirty="0"/>
+                        <a:t>0.47 mm</a:t>
+                      </a:r>
+                      <a:endParaRPr lang="en-GB" i="1" dirty="0"/>
+                    </a:p>
+                  </a:txBody>
+                  <a:tcPr/>
+                </a:tc>
+                <a:tc>
+                  <a:txBody>
+                    <a:bodyPr/>
+                    <a:lstStyle/>
+                    <a:p>
+                      <a:pPr algn="ctr"/>
+                      <a:r>
+                        <a:rPr lang="en-US" i="1" dirty="0"/>
+                        <a:t>0.66 mm</a:t>
+                      </a:r>
+                      <a:endParaRPr lang="en-GB" i="1" dirty="0"/>
+                    </a:p>
+                  </a:txBody>
+                  <a:tcPr/>
+                </a:tc>
+                <a:tc>
+                  <a:txBody>
+                    <a:bodyPr/>
+                    <a:lstStyle/>
+                    <a:p>
+                      <a:pPr algn="ctr"/>
+                      <a:r>
+                        <a:rPr lang="en-US" i="1" dirty="0"/>
+                        <a:t>0.6 mm</a:t>
+                      </a:r>
+                      <a:endParaRPr lang="en-GB" i="1" dirty="0"/>
+                    </a:p>
+                  </a:txBody>
+                  <a:tcPr/>
+                </a:tc>
+                <a:tc>
+                  <a:txBody>
+                    <a:bodyPr/>
+                    <a:lstStyle/>
+                    <a:p>
+                      <a:pPr algn="ctr"/>
+                      <a:r>
+                        <a:rPr lang="en-US" i="1" dirty="0"/>
+                        <a:t>0.13 mm</a:t>
+                      </a:r>
+                      <a:endParaRPr lang="en-GB" i="1" dirty="0"/>
+                    </a:p>
+                  </a:txBody>
+                  <a:tcPr/>
+                </a:tc>
+                <a:extLst>
+                  <a:ext uri="{0D108BD9-81ED-4DB2-BD59-A6C34878D82A}">
+                    <a16:rowId xmlns:a16="http://schemas.microsoft.com/office/drawing/2014/main" val="1245544230"/>
+                  </a:ext>
+                </a:extLst>
+              </a:tr>
+            </a:tbl>
+          </a:graphicData>
+        </a:graphic>
+      </p:graphicFrame>
+      <p:sp>
+        <p:nvSpPr>
+          <p:cNvPr id="22" name="TextBox 21">
+            <a:extLst>
+              <a:ext uri="{FF2B5EF4-FFF2-40B4-BE49-F238E27FC236}">
+                <a16:creationId xmlns:a16="http://schemas.microsoft.com/office/drawing/2014/main" id="{9CE0BD2B-30A1-2D2B-09C8-D011DBAA4C69}"/>
+              </a:ext>
+            </a:extLst>
+          </p:cNvPr>
+          <p:cNvSpPr txBox="1"/>
+          <p:nvPr/>
+        </p:nvSpPr>
+        <p:spPr bwMode="auto">
+          <a:xfrm>
+            <a:off x="375903" y="22623718"/>
+            <a:ext cx="9748815" cy="270715"/>
+          </a:xfrm>
+          <a:prstGeom prst="rect">
+            <a:avLst/>
+          </a:prstGeom>
+          <a:noFill/>
+          <a:ln w="9525">
+            <a:noFill/>
+            <a:miter lim="800000"/>
+            <a:headEnd/>
+            <a:tailEnd/>
+          </a:ln>
+          <a:effectLst/>
+        </p:spPr>
+        <p:txBody>
+          <a:bodyPr wrap="square" lIns="0" tIns="0" rIns="0" bIns="0" rtlCol="0">
+            <a:spAutoFit/>
+          </a:bodyPr>
+          <a:lstStyle/>
+          <a:p>
+            <a:pPr marL="455613" indent="-455613" algn="ctr" defTabSz="2952750" eaLnBrk="0" hangingPunct="0">
+              <a:lnSpc>
+                <a:spcPct val="105000"/>
+              </a:lnSpc>
+              <a:spcBef>
+                <a:spcPts val="4400"/>
+              </a:spcBef>
+              <a:spcAft>
+                <a:spcPts val="0"/>
+              </a:spcAft>
+              <a:buClr>
+                <a:schemeClr val="tx2"/>
+              </a:buClr>
+            </a:pPr>
+            <a:r>
+              <a:rPr lang="en-US" sz="1800" b="1" kern="0" dirty="0">
+                <a:solidFill>
+                  <a:schemeClr val="accent1"/>
+                </a:solidFill>
+                <a:latin typeface="Arial" panose="020B0604020202020204" pitchFamily="34" charset="0"/>
+                <a:cs typeface="Arial" panose="020B0604020202020204" pitchFamily="34" charset="0"/>
+              </a:rPr>
+              <a:t>Table 1: </a:t>
+            </a:r>
+            <a:r>
+              <a:rPr lang="en-US" sz="1800" i="1" kern="0" dirty="0">
+                <a:solidFill>
+                  <a:schemeClr val="accent1"/>
+                </a:solidFill>
+                <a:latin typeface="Arial" panose="020B0604020202020204" pitchFamily="34" charset="0"/>
+                <a:cs typeface="Arial" panose="020B0604020202020204" pitchFamily="34" charset="0"/>
+              </a:rPr>
+              <a:t>Minimum distances between trajectories and targets</a:t>
+            </a:r>
+            <a:endParaRPr lang="en-GB" sz="1800" i="1" kern="0" dirty="0">
+              <a:solidFill>
+                <a:schemeClr val="accent1"/>
+              </a:solidFill>
+              <a:latin typeface="Arial" panose="020B0604020202020204" pitchFamily="34" charset="0"/>
+              <a:cs typeface="Arial" panose="020B0604020202020204" pitchFamily="34" charset="0"/>
+            </a:endParaRPr>
+          </a:p>
+        </p:txBody>
+      </p:sp>
+      <p:graphicFrame>
+        <p:nvGraphicFramePr>
+          <p:cNvPr id="25" name="Table 24">
+            <a:extLst>
+              <a:ext uri="{FF2B5EF4-FFF2-40B4-BE49-F238E27FC236}">
+                <a16:creationId xmlns:a16="http://schemas.microsoft.com/office/drawing/2014/main" id="{E6C87C8A-556F-C800-6716-24F09F6DBC95}"/>
+              </a:ext>
+            </a:extLst>
+          </p:cNvPr>
+          <p:cNvGraphicFramePr>
+            <a:graphicFrameLocks noGrp="1"/>
+          </p:cNvGraphicFramePr>
+          <p:nvPr>
+            <p:extLst>
+              <p:ext uri="{D42A27DB-BD31-4B8C-83A1-F6EECF244321}">
+                <p14:modId xmlns:p14="http://schemas.microsoft.com/office/powerpoint/2010/main" val="813966869"/>
+              </p:ext>
+            </p:extLst>
+          </p:nvPr>
+        </p:nvGraphicFramePr>
+        <p:xfrm>
+          <a:off x="12590554" y="20952859"/>
+          <a:ext cx="6148070" cy="1854200"/>
+        </p:xfrm>
+        <a:graphic>
+          <a:graphicData uri="http://schemas.openxmlformats.org/drawingml/2006/table">
+            <a:tbl>
+              <a:tblPr firstRow="1" bandRow="1">
+                <a:tableStyleId>{5C22544A-7EE6-4342-B048-85BDC9FD1C3A}</a:tableStyleId>
+              </a:tblPr>
+              <a:tblGrid>
+                <a:gridCol w="2741930">
+                  <a:extLst>
+                    <a:ext uri="{9D8B030D-6E8A-4147-A177-3AD203B41FA5}">
+                      <a16:colId xmlns:a16="http://schemas.microsoft.com/office/drawing/2014/main" val="2769257342"/>
+                    </a:ext>
+                  </a:extLst>
+                </a:gridCol>
+                <a:gridCol w="1135380">
+                  <a:extLst>
+                    <a:ext uri="{9D8B030D-6E8A-4147-A177-3AD203B41FA5}">
+                      <a16:colId xmlns:a16="http://schemas.microsoft.com/office/drawing/2014/main" val="1567842400"/>
+                    </a:ext>
+                  </a:extLst>
+                </a:gridCol>
+                <a:gridCol w="1135380">
+                  <a:extLst>
+                    <a:ext uri="{9D8B030D-6E8A-4147-A177-3AD203B41FA5}">
+                      <a16:colId xmlns:a16="http://schemas.microsoft.com/office/drawing/2014/main" val="1930284546"/>
+                    </a:ext>
+                  </a:extLst>
+                </a:gridCol>
+                <a:gridCol w="1135380">
+                  <a:extLst>
+                    <a:ext uri="{9D8B030D-6E8A-4147-A177-3AD203B41FA5}">
+                      <a16:colId xmlns:a16="http://schemas.microsoft.com/office/drawing/2014/main" val="855201990"/>
+                    </a:ext>
+                  </a:extLst>
+                </a:gridCol>
+              </a:tblGrid>
+              <a:tr h="370840">
+                <a:tc>
+                  <a:txBody>
+                    <a:bodyPr/>
+                    <a:lstStyle/>
+                    <a:p>
+                      <a:pPr algn="ctr"/>
+                      <a:endParaRPr lang="en-GB"/>
+                    </a:p>
+                  </a:txBody>
+                  <a:tcPr/>
+                </a:tc>
+                <a:tc>
+                  <a:txBody>
+                    <a:bodyPr/>
+                    <a:lstStyle/>
+                    <a:p>
+                      <a:pPr algn="ctr"/>
+                      <a:r>
+                        <a:rPr lang="en-US" dirty="0"/>
+                        <a:t>Target 1</a:t>
+                      </a:r>
+                      <a:endParaRPr lang="en-GB" dirty="0"/>
+                    </a:p>
+                  </a:txBody>
+                  <a:tcPr/>
+                </a:tc>
+                <a:tc>
+                  <a:txBody>
+                    <a:bodyPr/>
+                    <a:lstStyle/>
+                    <a:p>
+                      <a:pPr algn="ctr"/>
+                      <a:r>
+                        <a:rPr lang="en-US" dirty="0"/>
+                        <a:t>Target 2</a:t>
+                      </a:r>
+                      <a:endParaRPr lang="en-GB" dirty="0"/>
+                    </a:p>
+                  </a:txBody>
+                  <a:tcPr/>
+                </a:tc>
+                <a:tc>
+                  <a:txBody>
+                    <a:bodyPr/>
+                    <a:lstStyle/>
+                    <a:p>
+                      <a:pPr algn="ctr"/>
+                      <a:r>
+                        <a:rPr lang="en-US" dirty="0"/>
+                        <a:t>Target 3</a:t>
+                      </a:r>
+                      <a:endParaRPr lang="en-GB" dirty="0"/>
+                    </a:p>
+                  </a:txBody>
+                  <a:tcPr/>
+                </a:tc>
+                <a:extLst>
+                  <a:ext uri="{0D108BD9-81ED-4DB2-BD59-A6C34878D82A}">
+                    <a16:rowId xmlns:a16="http://schemas.microsoft.com/office/drawing/2014/main" val="1704655242"/>
+                  </a:ext>
+                </a:extLst>
+              </a:tr>
+              <a:tr h="370840">
+                <a:tc>
+                  <a:txBody>
+                    <a:bodyPr/>
+                    <a:lstStyle/>
+                    <a:p>
+                      <a:pPr algn="l"/>
+                      <a:r>
+                        <a:rPr lang="en-US" sz="1300" b="1" dirty="0"/>
+                        <a:t>Reference Trajectory</a:t>
+                      </a:r>
+                      <a:endParaRPr lang="en-GB" sz="1300" b="1" dirty="0"/>
+                    </a:p>
+                  </a:txBody>
+                  <a:tcPr/>
+                </a:tc>
+                <a:tc>
+                  <a:txBody>
+                    <a:bodyPr/>
+                    <a:lstStyle/>
+                    <a:p>
+                      <a:pPr algn="ctr"/>
+                      <a:r>
+                        <a:rPr lang="en-GB" dirty="0"/>
+                        <a:t>2.98 mm</a:t>
+                      </a:r>
+                    </a:p>
+                  </a:txBody>
+                  <a:tcPr/>
+                </a:tc>
+                <a:tc>
+                  <a:txBody>
+                    <a:bodyPr/>
+                    <a:lstStyle/>
+                    <a:p>
+                      <a:pPr algn="ctr"/>
+                      <a:r>
+                        <a:rPr lang="en-GB" dirty="0"/>
+                        <a:t>5.11 mm</a:t>
+                      </a:r>
+                    </a:p>
+                  </a:txBody>
+                  <a:tcPr/>
+                </a:tc>
+                <a:tc>
+                  <a:txBody>
+                    <a:bodyPr/>
+                    <a:lstStyle/>
+                    <a:p>
+                      <a:pPr algn="ctr"/>
+                      <a:r>
+                        <a:rPr lang="en-GB" dirty="0"/>
+                        <a:t>1.97 mm</a:t>
+                      </a:r>
+                    </a:p>
+                  </a:txBody>
+                  <a:tcPr/>
+                </a:tc>
+                <a:extLst>
+                  <a:ext uri="{0D108BD9-81ED-4DB2-BD59-A6C34878D82A}">
+                    <a16:rowId xmlns:a16="http://schemas.microsoft.com/office/drawing/2014/main" val="1557149017"/>
+                  </a:ext>
+                </a:extLst>
+              </a:tr>
+              <a:tr h="370840">
+                <a:tc>
+                  <a:txBody>
+                    <a:bodyPr/>
+                    <a:lstStyle/>
+                    <a:p>
+                      <a:pPr algn="l"/>
+                      <a:r>
+                        <a:rPr lang="en-US" sz="1300" b="1" dirty="0"/>
+                        <a:t>Simulation on digital twin</a:t>
+                      </a:r>
+                      <a:endParaRPr lang="en-GB" sz="1300" b="1" dirty="0"/>
+                    </a:p>
+                  </a:txBody>
+                  <a:tcPr/>
+                </a:tc>
+                <a:tc>
+                  <a:txBody>
+                    <a:bodyPr/>
+                    <a:lstStyle/>
+                    <a:p>
+                      <a:pPr algn="ctr"/>
+                      <a:r>
+                        <a:rPr lang="en-GB" dirty="0"/>
+                        <a:t>3.08 mm</a:t>
+                      </a:r>
+                    </a:p>
+                  </a:txBody>
+                  <a:tcPr/>
+                </a:tc>
+                <a:tc>
+                  <a:txBody>
+                    <a:bodyPr/>
+                    <a:lstStyle/>
+                    <a:p>
+                      <a:pPr algn="ctr"/>
+                      <a:r>
+                        <a:rPr lang="en-GB" dirty="0"/>
+                        <a:t>5.20 mm</a:t>
+                      </a:r>
+                    </a:p>
+                  </a:txBody>
+                  <a:tcPr/>
+                </a:tc>
+                <a:tc>
+                  <a:txBody>
+                    <a:bodyPr/>
+                    <a:lstStyle/>
+                    <a:p>
+                      <a:pPr algn="ctr"/>
+                      <a:r>
+                        <a:rPr lang="en-GB" dirty="0"/>
+                        <a:t>2.01 mm</a:t>
+                      </a:r>
+                    </a:p>
+                  </a:txBody>
+                  <a:tcPr/>
+                </a:tc>
+                <a:extLst>
+                  <a:ext uri="{0D108BD9-81ED-4DB2-BD59-A6C34878D82A}">
+                    <a16:rowId xmlns:a16="http://schemas.microsoft.com/office/drawing/2014/main" val="2106795411"/>
+                  </a:ext>
+                </a:extLst>
+              </a:tr>
+              <a:tr h="370840">
+                <a:tc>
+                  <a:txBody>
+                    <a:bodyPr/>
+                    <a:lstStyle/>
+                    <a:p>
+                      <a:pPr algn="l"/>
+                      <a:r>
+                        <a:rPr lang="en-US" sz="1300" b="1" dirty="0"/>
+                        <a:t>Physical Robot at normal speed</a:t>
+                      </a:r>
+                      <a:endParaRPr lang="en-GB" sz="1300" b="1" dirty="0"/>
+                    </a:p>
+                  </a:txBody>
+                  <a:tcPr/>
+                </a:tc>
+                <a:tc>
+                  <a:txBody>
+                    <a:bodyPr/>
+                    <a:lstStyle/>
+                    <a:p>
+                      <a:pPr algn="ctr"/>
+                      <a:r>
+                        <a:rPr lang="en-GB" dirty="0"/>
+                        <a:t>3.17 mm</a:t>
+                      </a:r>
+                    </a:p>
+                  </a:txBody>
+                  <a:tcPr/>
+                </a:tc>
+                <a:tc>
+                  <a:txBody>
+                    <a:bodyPr/>
+                    <a:lstStyle/>
+                    <a:p>
+                      <a:pPr algn="ctr"/>
+                      <a:r>
+                        <a:rPr lang="en-GB" dirty="0"/>
+                        <a:t>5.16 mm</a:t>
+                      </a:r>
+                    </a:p>
+                  </a:txBody>
+                  <a:tcPr/>
+                </a:tc>
+                <a:tc>
+                  <a:txBody>
+                    <a:bodyPr/>
+                    <a:lstStyle/>
+                    <a:p>
+                      <a:pPr algn="ctr"/>
+                      <a:r>
+                        <a:rPr lang="en-GB" dirty="0"/>
+                        <a:t>1.94 mm</a:t>
+                      </a:r>
+                    </a:p>
+                  </a:txBody>
+                  <a:tcPr/>
+                </a:tc>
+                <a:extLst>
+                  <a:ext uri="{0D108BD9-81ED-4DB2-BD59-A6C34878D82A}">
+                    <a16:rowId xmlns:a16="http://schemas.microsoft.com/office/drawing/2014/main" val="3626681923"/>
+                  </a:ext>
+                </a:extLst>
+              </a:tr>
+              <a:tr h="370840">
+                <a:tc>
+                  <a:txBody>
+                    <a:bodyPr/>
+                    <a:lstStyle/>
+                    <a:p>
+                      <a:pPr algn="l"/>
+                      <a:r>
+                        <a:rPr lang="en-US" sz="1300" b="1" dirty="0"/>
+                        <a:t>Physical Robot at 4x speed</a:t>
+                      </a:r>
+                      <a:endParaRPr lang="en-GB" sz="1300" b="1" dirty="0"/>
+                    </a:p>
+                  </a:txBody>
+                  <a:tcPr/>
+                </a:tc>
+                <a:tc>
+                  <a:txBody>
+                    <a:bodyPr/>
+                    <a:lstStyle/>
+                    <a:p>
+                      <a:pPr algn="ctr"/>
+                      <a:r>
+                        <a:rPr lang="en-GB" dirty="0"/>
+                        <a:t>2.68 mm</a:t>
+                      </a:r>
+                    </a:p>
+                  </a:txBody>
+                  <a:tcPr/>
+                </a:tc>
+                <a:tc>
+                  <a:txBody>
+                    <a:bodyPr/>
+                    <a:lstStyle/>
+                    <a:p>
+                      <a:pPr algn="ctr"/>
+                      <a:r>
+                        <a:rPr lang="en-GB" dirty="0"/>
+                        <a:t>7.89 mm</a:t>
+                      </a:r>
+                    </a:p>
+                  </a:txBody>
+                  <a:tcPr/>
+                </a:tc>
+                <a:tc>
+                  <a:txBody>
+                    <a:bodyPr/>
+                    <a:lstStyle/>
+                    <a:p>
+                      <a:pPr algn="ctr"/>
+                      <a:r>
+                        <a:rPr lang="en-GB" dirty="0"/>
+                        <a:t>1.99 mm</a:t>
+                      </a:r>
+                    </a:p>
+                  </a:txBody>
+                  <a:tcPr/>
+                </a:tc>
+                <a:extLst>
+                  <a:ext uri="{0D108BD9-81ED-4DB2-BD59-A6C34878D82A}">
+                    <a16:rowId xmlns:a16="http://schemas.microsoft.com/office/drawing/2014/main" val="247693081"/>
+                  </a:ext>
+                </a:extLst>
+              </a:tr>
+            </a:tbl>
+          </a:graphicData>
+        </a:graphic>
+      </p:graphicFrame>
+      <p:sp>
+        <p:nvSpPr>
+          <p:cNvPr id="28" name="TextBox 27">
+            <a:extLst>
+              <a:ext uri="{FF2B5EF4-FFF2-40B4-BE49-F238E27FC236}">
+                <a16:creationId xmlns:a16="http://schemas.microsoft.com/office/drawing/2014/main" id="{B93E9063-743C-28C7-C3D8-B3F0B34B14F9}"/>
+              </a:ext>
+            </a:extLst>
+          </p:cNvPr>
+          <p:cNvSpPr txBox="1"/>
+          <p:nvPr/>
+        </p:nvSpPr>
+        <p:spPr bwMode="auto">
+          <a:xfrm>
+            <a:off x="11465982" y="22914332"/>
+            <a:ext cx="8748034" cy="270715"/>
+          </a:xfrm>
+          <a:prstGeom prst="rect">
+            <a:avLst/>
+          </a:prstGeom>
+          <a:noFill/>
+          <a:ln w="9525">
+            <a:noFill/>
+            <a:miter lim="800000"/>
+            <a:headEnd/>
+            <a:tailEnd/>
+          </a:ln>
+          <a:effectLst/>
+        </p:spPr>
+        <p:txBody>
+          <a:bodyPr wrap="square" lIns="0" tIns="0" rIns="0" bIns="0" rtlCol="0">
+            <a:spAutoFit/>
+          </a:bodyPr>
+          <a:lstStyle/>
+          <a:p>
+            <a:pPr marL="455613" indent="-455613" algn="ctr" defTabSz="2952750" eaLnBrk="0" hangingPunct="0">
+              <a:lnSpc>
+                <a:spcPct val="105000"/>
+              </a:lnSpc>
+              <a:spcBef>
+                <a:spcPts val="4400"/>
+              </a:spcBef>
+              <a:spcAft>
+                <a:spcPts val="0"/>
+              </a:spcAft>
+              <a:buClr>
+                <a:schemeClr val="tx2"/>
+              </a:buClr>
+            </a:pPr>
+            <a:r>
+              <a:rPr lang="en-US" sz="1800" b="1" kern="0" dirty="0">
+                <a:solidFill>
+                  <a:schemeClr val="accent1"/>
+                </a:solidFill>
+                <a:latin typeface="Arial" panose="020B0604020202020204" pitchFamily="34" charset="0"/>
+                <a:cs typeface="Arial" panose="020B0604020202020204" pitchFamily="34" charset="0"/>
+              </a:rPr>
+              <a:t>Table 2: </a:t>
+            </a:r>
+            <a:r>
+              <a:rPr lang="en-US" sz="1800" i="1" kern="0" dirty="0">
+                <a:solidFill>
+                  <a:schemeClr val="accent1"/>
+                </a:solidFill>
+                <a:latin typeface="Arial" panose="020B0604020202020204" pitchFamily="34" charset="0"/>
+                <a:cs typeface="Arial" panose="020B0604020202020204" pitchFamily="34" charset="0"/>
+              </a:rPr>
+              <a:t>Minimum distances between reference trajectory and targets</a:t>
+            </a:r>
+            <a:endParaRPr lang="en-GB" sz="1800" kern="0" dirty="0">
+              <a:solidFill>
+                <a:schemeClr val="accent1"/>
+              </a:solidFill>
+              <a:latin typeface="Arial" panose="020B0604020202020204" pitchFamily="34" charset="0"/>
+              <a:cs typeface="Arial" panose="020B0604020202020204" pitchFamily="34" charset="0"/>
+            </a:endParaRPr>
+          </a:p>
+        </p:txBody>
+      </p:sp>
+      <p:sp>
+        <p:nvSpPr>
+          <p:cNvPr id="9" name="TextBox 8">
+            <a:extLst>
+              <a:ext uri="{FF2B5EF4-FFF2-40B4-BE49-F238E27FC236}">
+                <a16:creationId xmlns:a16="http://schemas.microsoft.com/office/drawing/2014/main" id="{263350C3-32B4-2CDA-44C1-6FD49405D777}"/>
+              </a:ext>
+            </a:extLst>
+          </p:cNvPr>
+          <p:cNvSpPr txBox="1"/>
+          <p:nvPr/>
+        </p:nvSpPr>
+        <p:spPr bwMode="auto">
+          <a:xfrm>
+            <a:off x="11920354" y="20473450"/>
+            <a:ext cx="8195693" cy="369332"/>
+          </a:xfrm>
+          <a:prstGeom prst="rect">
+            <a:avLst/>
+          </a:prstGeom>
+          <a:noFill/>
+          <a:ln w="9525">
+            <a:noFill/>
+            <a:miter lim="800000"/>
+            <a:headEnd/>
+            <a:tailEnd/>
+          </a:ln>
+          <a:effectLst/>
+        </p:spPr>
+        <p:txBody>
+          <a:bodyPr wrap="square" lIns="0" tIns="0" rIns="0" bIns="0" rtlCol="0" anchor="ctr">
+            <a:spAutoFit/>
+          </a:bodyPr>
+          <a:lstStyle/>
+          <a:p>
+            <a:pPr marL="455613" indent="-455613" algn="ctr" defTabSz="2952750" eaLnBrk="0" hangingPunct="0">
+              <a:spcBef>
+                <a:spcPts val="4400"/>
+              </a:spcBef>
+              <a:spcAft>
+                <a:spcPts val="0"/>
+              </a:spcAft>
+              <a:buClr>
+                <a:schemeClr val="tx2"/>
+              </a:buClr>
+            </a:pPr>
+            <a:r>
+              <a:rPr lang="en-US" sz="2400" b="1" kern="0" dirty="0">
+                <a:solidFill>
+                  <a:schemeClr val="tx2"/>
+                </a:solidFill>
+                <a:latin typeface="Arial" panose="020B0604020202020204" pitchFamily="34" charset="0"/>
+                <a:cs typeface="Arial" panose="020B0604020202020204" pitchFamily="34" charset="0"/>
+              </a:rPr>
+              <a:t>Minimum Distance Table</a:t>
+            </a:r>
+            <a:endParaRPr lang="en-GB" sz="2400" b="1" kern="0" dirty="0">
+              <a:solidFill>
+                <a:schemeClr val="tx2"/>
               </a:solidFill>
               <a:latin typeface="Arial" panose="020B0604020202020204" pitchFamily="34" charset="0"/>
               <a:cs typeface="Arial" panose="020B0604020202020204" pitchFamily="34" charset="0"/>

--- a/October2025/Edinburgh_Manipulator.pptx
+++ b/October2025/Edinburgh_Manipulator.pptx
@@ -1484,7 +1484,7 @@
           <a:p>
             <a:fld id="{C97EC4C6-B233-4DED-BE25-D2749E462968}" type="datetimeFigureOut">
               <a:rPr lang="en-GB" smtClean="0"/>
-              <a:t>15/12/2025</a:t>
+              <a:t>16/12/2025</a:t>
             </a:fld>
             <a:endParaRPr lang="en-GB"/>
           </a:p>
@@ -1684,7 +1684,7 @@
           <a:p>
             <a:fld id="{C97EC4C6-B233-4DED-BE25-D2749E462968}" type="datetimeFigureOut">
               <a:rPr lang="en-GB" smtClean="0"/>
-              <a:t>15/12/2025</a:t>
+              <a:t>16/12/2025</a:t>
             </a:fld>
             <a:endParaRPr lang="en-GB"/>
           </a:p>
@@ -1894,7 +1894,7 @@
           <a:p>
             <a:fld id="{C97EC4C6-B233-4DED-BE25-D2749E462968}" type="datetimeFigureOut">
               <a:rPr lang="en-GB" smtClean="0"/>
-              <a:t>15/12/2025</a:t>
+              <a:t>16/12/2025</a:t>
             </a:fld>
             <a:endParaRPr lang="en-GB"/>
           </a:p>
@@ -2412,7 +2412,7 @@
           <a:p>
             <a:fld id="{A666320E-2E51-46CD-B000-0C5C59C25FAA}" type="datetimeFigureOut">
               <a:rPr lang="en-GB" smtClean="0"/>
-              <a:t>15/12/2025</a:t>
+              <a:t>16/12/2025</a:t>
             </a:fld>
             <a:endParaRPr lang="en-GB"/>
           </a:p>
@@ -2612,7 +2612,7 @@
           <a:p>
             <a:fld id="{A666320E-2E51-46CD-B000-0C5C59C25FAA}" type="datetimeFigureOut">
               <a:rPr lang="en-GB" smtClean="0"/>
-              <a:t>15/12/2025</a:t>
+              <a:t>16/12/2025</a:t>
             </a:fld>
             <a:endParaRPr lang="en-GB"/>
           </a:p>
@@ -2888,7 +2888,7 @@
           <a:p>
             <a:fld id="{A666320E-2E51-46CD-B000-0C5C59C25FAA}" type="datetimeFigureOut">
               <a:rPr lang="en-GB" smtClean="0"/>
-              <a:t>15/12/2025</a:t>
+              <a:t>16/12/2025</a:t>
             </a:fld>
             <a:endParaRPr lang="en-GB"/>
           </a:p>
@@ -3156,7 +3156,7 @@
           <a:p>
             <a:fld id="{A666320E-2E51-46CD-B000-0C5C59C25FAA}" type="datetimeFigureOut">
               <a:rPr lang="en-GB" smtClean="0"/>
-              <a:t>15/12/2025</a:t>
+              <a:t>16/12/2025</a:t>
             </a:fld>
             <a:endParaRPr lang="en-GB"/>
           </a:p>
@@ -3571,7 +3571,7 @@
           <a:p>
             <a:fld id="{A666320E-2E51-46CD-B000-0C5C59C25FAA}" type="datetimeFigureOut">
               <a:rPr lang="en-GB" smtClean="0"/>
-              <a:t>15/12/2025</a:t>
+              <a:t>16/12/2025</a:t>
             </a:fld>
             <a:endParaRPr lang="en-GB"/>
           </a:p>
@@ -3713,7 +3713,7 @@
           <a:p>
             <a:fld id="{A666320E-2E51-46CD-B000-0C5C59C25FAA}" type="datetimeFigureOut">
               <a:rPr lang="en-GB" smtClean="0"/>
-              <a:t>15/12/2025</a:t>
+              <a:t>16/12/2025</a:t>
             </a:fld>
             <a:endParaRPr lang="en-GB"/>
           </a:p>
@@ -3935,7 +3935,7 @@
           <a:p>
             <a:fld id="{C97EC4C6-B233-4DED-BE25-D2749E462968}" type="datetimeFigureOut">
               <a:rPr lang="en-GB" smtClean="0"/>
-              <a:t>15/12/2025</a:t>
+              <a:t>16/12/2025</a:t>
             </a:fld>
             <a:endParaRPr lang="en-GB"/>
           </a:p>
@@ -4048,7 +4048,7 @@
           <a:p>
             <a:fld id="{A666320E-2E51-46CD-B000-0C5C59C25FAA}" type="datetimeFigureOut">
               <a:rPr lang="en-GB" smtClean="0"/>
-              <a:t>15/12/2025</a:t>
+              <a:t>16/12/2025</a:t>
             </a:fld>
             <a:endParaRPr lang="en-GB"/>
           </a:p>
@@ -4361,7 +4361,7 @@
           <a:p>
             <a:fld id="{A666320E-2E51-46CD-B000-0C5C59C25FAA}" type="datetimeFigureOut">
               <a:rPr lang="en-GB" smtClean="0"/>
-              <a:t>15/12/2025</a:t>
+              <a:t>16/12/2025</a:t>
             </a:fld>
             <a:endParaRPr lang="en-GB"/>
           </a:p>
@@ -4650,7 +4650,7 @@
           <a:p>
             <a:fld id="{A666320E-2E51-46CD-B000-0C5C59C25FAA}" type="datetimeFigureOut">
               <a:rPr lang="en-GB" smtClean="0"/>
-              <a:t>15/12/2025</a:t>
+              <a:t>16/12/2025</a:t>
             </a:fld>
             <a:endParaRPr lang="en-GB"/>
           </a:p>
@@ -4850,7 +4850,7 @@
           <a:p>
             <a:fld id="{A666320E-2E51-46CD-B000-0C5C59C25FAA}" type="datetimeFigureOut">
               <a:rPr lang="en-GB" smtClean="0"/>
-              <a:t>15/12/2025</a:t>
+              <a:t>16/12/2025</a:t>
             </a:fld>
             <a:endParaRPr lang="en-GB"/>
           </a:p>
@@ -5060,7 +5060,7 @@
           <a:p>
             <a:fld id="{A666320E-2E51-46CD-B000-0C5C59C25FAA}" type="datetimeFigureOut">
               <a:rPr lang="en-GB" smtClean="0"/>
-              <a:t>15/12/2025</a:t>
+              <a:t>16/12/2025</a:t>
             </a:fld>
             <a:endParaRPr lang="en-GB"/>
           </a:p>
@@ -6444,7 +6444,7 @@
           <a:p>
             <a:fld id="{C97EC4C6-B233-4DED-BE25-D2749E462968}" type="datetimeFigureOut">
               <a:rPr lang="en-GB" smtClean="0"/>
-              <a:t>15/12/2025</a:t>
+              <a:t>16/12/2025</a:t>
             </a:fld>
             <a:endParaRPr lang="en-GB"/>
           </a:p>
@@ -6720,7 +6720,7 @@
           <a:p>
             <a:fld id="{C97EC4C6-B233-4DED-BE25-D2749E462968}" type="datetimeFigureOut">
               <a:rPr lang="en-GB" smtClean="0"/>
-              <a:t>15/12/2025</a:t>
+              <a:t>16/12/2025</a:t>
             </a:fld>
             <a:endParaRPr lang="en-GB"/>
           </a:p>
@@ -6988,7 +6988,7 @@
           <a:p>
             <a:fld id="{C97EC4C6-B233-4DED-BE25-D2749E462968}" type="datetimeFigureOut">
               <a:rPr lang="en-GB" smtClean="0"/>
-              <a:t>15/12/2025</a:t>
+              <a:t>16/12/2025</a:t>
             </a:fld>
             <a:endParaRPr lang="en-GB"/>
           </a:p>
@@ -7403,7 +7403,7 @@
           <a:p>
             <a:fld id="{C97EC4C6-B233-4DED-BE25-D2749E462968}" type="datetimeFigureOut">
               <a:rPr lang="en-GB" smtClean="0"/>
-              <a:t>15/12/2025</a:t>
+              <a:t>16/12/2025</a:t>
             </a:fld>
             <a:endParaRPr lang="en-GB"/>
           </a:p>
@@ -7545,7 +7545,7 @@
           <a:p>
             <a:fld id="{C97EC4C6-B233-4DED-BE25-D2749E462968}" type="datetimeFigureOut">
               <a:rPr lang="en-GB" smtClean="0"/>
-              <a:t>15/12/2025</a:t>
+              <a:t>16/12/2025</a:t>
             </a:fld>
             <a:endParaRPr lang="en-GB"/>
           </a:p>
@@ -7658,7 +7658,7 @@
           <a:p>
             <a:fld id="{C97EC4C6-B233-4DED-BE25-D2749E462968}" type="datetimeFigureOut">
               <a:rPr lang="en-GB" smtClean="0"/>
-              <a:t>15/12/2025</a:t>
+              <a:t>16/12/2025</a:t>
             </a:fld>
             <a:endParaRPr lang="en-GB"/>
           </a:p>
@@ -7971,7 +7971,7 @@
           <a:p>
             <a:fld id="{C97EC4C6-B233-4DED-BE25-D2749E462968}" type="datetimeFigureOut">
               <a:rPr lang="en-GB" smtClean="0"/>
-              <a:t>15/12/2025</a:t>
+              <a:t>16/12/2025</a:t>
             </a:fld>
             <a:endParaRPr lang="en-GB"/>
           </a:p>
@@ -9061,7 +9061,7 @@
           <a:p>
             <a:fld id="{C97EC4C6-B233-4DED-BE25-D2749E462968}" type="datetimeFigureOut">
               <a:rPr lang="en-GB" smtClean="0"/>
-              <a:t>15/12/2025</a:t>
+              <a:t>16/12/2025</a:t>
             </a:fld>
             <a:endParaRPr lang="en-GB"/>
           </a:p>
@@ -10500,7 +10500,7 @@
           <a:p>
             <a:fld id="{A666320E-2E51-46CD-B000-0C5C59C25FAA}" type="datetimeFigureOut">
               <a:rPr lang="en-GB" smtClean="0"/>
-              <a:t>15/12/2025</a:t>
+              <a:t>16/12/2025</a:t>
             </a:fld>
             <a:endParaRPr lang="en-GB"/>
           </a:p>
@@ -15251,7 +15251,7 @@
         </p:nvSpPr>
         <p:spPr bwMode="auto">
           <a:xfrm>
-            <a:off x="5366688" y="12837868"/>
+            <a:off x="8635768" y="12778391"/>
             <a:ext cx="10730112" cy="270715"/>
           </a:xfrm>
           <a:prstGeom prst="rect">
@@ -16566,78 +16566,6 @@
           </a:prstGeom>
         </p:spPr>
       </p:pic>
-      <p:pic>
-        <p:nvPicPr>
-          <p:cNvPr id="31" name="Graphic 30">
-            <a:extLst>
-              <a:ext uri="{FF2B5EF4-FFF2-40B4-BE49-F238E27FC236}">
-                <a16:creationId xmlns:a16="http://schemas.microsoft.com/office/drawing/2014/main" id="{C244987E-C73E-9F8F-4CAB-A983FABD8152}"/>
-              </a:ext>
-            </a:extLst>
-          </p:cNvPr>
-          <p:cNvPicPr>
-            <a:picLocks noChangeAspect="1"/>
-          </p:cNvPicPr>
-          <p:nvPr/>
-        </p:nvPicPr>
-        <p:blipFill>
-          <a:blip r:embed="rId5">
-            <a:extLst>
-              <a:ext uri="{96DAC541-7B7A-43D3-8B79-37D633B846F1}">
-                <asvg:svgBlip xmlns:asvg="http://schemas.microsoft.com/office/drawing/2016/SVG/main" r:embed="rId6"/>
-              </a:ext>
-            </a:extLst>
-          </a:blip>
-          <a:stretch>
-            <a:fillRect/>
-          </a:stretch>
-        </p:blipFill>
-        <p:spPr>
-          <a:xfrm>
-            <a:off x="7092408" y="8468691"/>
-            <a:ext cx="12315825" cy="4381500"/>
-          </a:xfrm>
-          <a:prstGeom prst="rect">
-            <a:avLst/>
-          </a:prstGeom>
-        </p:spPr>
-      </p:pic>
-      <p:pic>
-        <p:nvPicPr>
-          <p:cNvPr id="4" name="Picture 3">
-            <a:extLst>
-              <a:ext uri="{FF2B5EF4-FFF2-40B4-BE49-F238E27FC236}">
-                <a16:creationId xmlns:a16="http://schemas.microsoft.com/office/drawing/2014/main" id="{4ECC14BB-29B2-19B3-D8E0-DD49E3BEE396}"/>
-              </a:ext>
-            </a:extLst>
-          </p:cNvPr>
-          <p:cNvPicPr>
-            <a:picLocks noChangeAspect="1"/>
-          </p:cNvPicPr>
-          <p:nvPr/>
-        </p:nvPicPr>
-        <p:blipFill>
-          <a:blip r:embed="rId7" cstate="print">
-            <a:extLst>
-              <a:ext uri="{28A0092B-C50C-407E-A947-70E740481C1C}">
-                <a14:useLocalDpi xmlns:a14="http://schemas.microsoft.com/office/drawing/2010/main" val="0"/>
-              </a:ext>
-            </a:extLst>
-          </a:blip>
-          <a:stretch>
-            <a:fillRect/>
-          </a:stretch>
-        </p:blipFill>
-        <p:spPr>
-          <a:xfrm>
-            <a:off x="610538" y="8488425"/>
-            <a:ext cx="5052843" cy="4225643"/>
-          </a:xfrm>
-          <a:prstGeom prst="rect">
-            <a:avLst/>
-          </a:prstGeom>
-        </p:spPr>
-      </p:pic>
       <p:sp>
         <p:nvSpPr>
           <p:cNvPr id="21" name="TextBox 20">
@@ -16652,7 +16580,7 @@
         </p:nvSpPr>
         <p:spPr bwMode="auto">
           <a:xfrm>
-            <a:off x="1228509" y="19715005"/>
+            <a:off x="1283421" y="19816651"/>
             <a:ext cx="8292885" cy="499111"/>
           </a:xfrm>
           <a:prstGeom prst="rect">
@@ -16742,7 +16670,7 @@
           <p:nvPr/>
         </p:nvPicPr>
         <p:blipFill>
-          <a:blip r:embed="rId8" cstate="print">
+          <a:blip r:embed="rId5" cstate="print">
             <a:extLst>
               <a:ext uri="{28A0092B-C50C-407E-A947-70E740481C1C}">
                 <a14:useLocalDpi xmlns:a14="http://schemas.microsoft.com/office/drawing/2010/main" val="0"/>
@@ -16778,7 +16706,7 @@
           <p:nvPr/>
         </p:nvPicPr>
         <p:blipFill>
-          <a:blip r:embed="rId9" cstate="print">
+          <a:blip r:embed="rId6" cstate="print">
             <a:extLst>
               <a:ext uri="{28A0092B-C50C-407E-A947-70E740481C1C}">
                 <a14:useLocalDpi xmlns:a14="http://schemas.microsoft.com/office/drawing/2010/main" val="0"/>
@@ -17961,6 +17889,472 @@
           </a:p>
         </p:txBody>
       </p:sp>
+      <p:pic>
+        <p:nvPicPr>
+          <p:cNvPr id="18" name="Picture 17" descr="A machine on a table&#10;&#10;AI-generated content may be incorrect.">
+            <a:extLst>
+              <a:ext uri="{FF2B5EF4-FFF2-40B4-BE49-F238E27FC236}">
+                <a16:creationId xmlns:a16="http://schemas.microsoft.com/office/drawing/2014/main" id="{347AB199-8454-D529-B646-4B32E4FFBBF5}"/>
+              </a:ext>
+            </a:extLst>
+          </p:cNvPr>
+          <p:cNvPicPr>
+            <a:picLocks noChangeAspect="1"/>
+          </p:cNvPicPr>
+          <p:nvPr/>
+        </p:nvPicPr>
+        <p:blipFill>
+          <a:blip r:embed="rId7" cstate="print">
+            <a:extLst>
+              <a:ext uri="{28A0092B-C50C-407E-A947-70E740481C1C}">
+                <a14:useLocalDpi xmlns:a14="http://schemas.microsoft.com/office/drawing/2010/main" val="0"/>
+              </a:ext>
+            </a:extLst>
+          </a:blip>
+          <a:stretch>
+            <a:fillRect/>
+          </a:stretch>
+        </p:blipFill>
+        <p:spPr>
+          <a:xfrm>
+            <a:off x="1926102" y="8456269"/>
+            <a:ext cx="4155384" cy="4450838"/>
+          </a:xfrm>
+          <a:prstGeom prst="rect">
+            <a:avLst/>
+          </a:prstGeom>
+        </p:spPr>
+      </p:pic>
+      <p:pic>
+        <p:nvPicPr>
+          <p:cNvPr id="30" name="Picture 29">
+            <a:extLst>
+              <a:ext uri="{FF2B5EF4-FFF2-40B4-BE49-F238E27FC236}">
+                <a16:creationId xmlns:a16="http://schemas.microsoft.com/office/drawing/2014/main" id="{05CF398D-B07F-3E92-48DE-D293A285126D}"/>
+              </a:ext>
+            </a:extLst>
+          </p:cNvPr>
+          <p:cNvPicPr>
+            <a:picLocks noChangeAspect="1"/>
+          </p:cNvPicPr>
+          <p:nvPr/>
+        </p:nvPicPr>
+        <p:blipFill>
+          <a:blip r:embed="rId8" cstate="print">
+            <a:extLst>
+              <a:ext uri="{28A0092B-C50C-407E-A947-70E740481C1C}">
+                <a14:useLocalDpi xmlns:a14="http://schemas.microsoft.com/office/drawing/2010/main" val="0"/>
+              </a:ext>
+            </a:extLst>
+          </a:blip>
+          <a:stretch>
+            <a:fillRect/>
+          </a:stretch>
+        </p:blipFill>
+        <p:spPr>
+          <a:xfrm>
+            <a:off x="7787632" y="8624050"/>
+            <a:ext cx="12426384" cy="4224537"/>
+          </a:xfrm>
+          <a:prstGeom prst="rect">
+            <a:avLst/>
+          </a:prstGeom>
+        </p:spPr>
+      </p:pic>
+      <p:sp>
+        <p:nvSpPr>
+          <p:cNvPr id="33" name="Rectangle 32">
+            <a:extLst>
+              <a:ext uri="{FF2B5EF4-FFF2-40B4-BE49-F238E27FC236}">
+                <a16:creationId xmlns:a16="http://schemas.microsoft.com/office/drawing/2014/main" id="{E3F56285-ED23-6671-F1B7-F67740541123}"/>
+              </a:ext>
+            </a:extLst>
+          </p:cNvPr>
+          <p:cNvSpPr/>
+          <p:nvPr/>
+        </p:nvSpPr>
+        <p:spPr bwMode="auto">
+          <a:xfrm>
+            <a:off x="4695825" y="14438173"/>
+            <a:ext cx="1809750" cy="163652"/>
+          </a:xfrm>
+          <a:prstGeom prst="rect">
+            <a:avLst/>
+          </a:prstGeom>
+          <a:solidFill>
+            <a:srgbClr val="E6E6E6"/>
+          </a:solidFill>
+          <a:ln w="9525" cap="flat" cmpd="sng" algn="ctr">
+            <a:noFill/>
+            <a:prstDash val="solid"/>
+            <a:round/>
+            <a:headEnd type="none" w="med" len="med"/>
+            <a:tailEnd type="none" w="med" len="med"/>
+          </a:ln>
+          <a:effectLst/>
+        </p:spPr>
+        <p:txBody>
+          <a:bodyPr vert="horz" wrap="none" lIns="91440" tIns="45720" rIns="91440" bIns="45720" numCol="1" rtlCol="0" anchor="ctr" anchorCtr="0" compatLnSpc="1">
+            <a:prstTxWarp prst="textNoShape">
+              <a:avLst/>
+            </a:prstTxWarp>
+          </a:bodyPr>
+          <a:lstStyle/>
+          <a:p>
+            <a:pPr marL="0" marR="0" indent="0" algn="l" defTabSz="2952750" rtl="0" eaLnBrk="1" fontAlgn="base" latinLnBrk="0" hangingPunct="1">
+              <a:lnSpc>
+                <a:spcPct val="100000"/>
+              </a:lnSpc>
+              <a:spcBef>
+                <a:spcPct val="0"/>
+              </a:spcBef>
+              <a:spcAft>
+                <a:spcPct val="0"/>
+              </a:spcAft>
+              <a:buClrTx/>
+              <a:buSzTx/>
+              <a:buFontTx/>
+              <a:buNone/>
+              <a:tabLst/>
+            </a:pPr>
+            <a:endParaRPr kumimoji="0" lang="en-GB" sz="1300" b="0" i="0" u="none" strike="noStrike" cap="none" normalizeH="0" baseline="0">
+              <a:ln>
+                <a:noFill/>
+              </a:ln>
+              <a:solidFill>
+                <a:schemeClr val="tx1"/>
+              </a:solidFill>
+              <a:effectLst/>
+              <a:latin typeface="Rdg Vesta" pitchFamily="2" charset="0"/>
+            </a:endParaRPr>
+          </a:p>
+        </p:txBody>
+      </p:sp>
+      <p:sp>
+        <p:nvSpPr>
+          <p:cNvPr id="32" name="TextBox 31">
+            <a:extLst>
+              <a:ext uri="{FF2B5EF4-FFF2-40B4-BE49-F238E27FC236}">
+                <a16:creationId xmlns:a16="http://schemas.microsoft.com/office/drawing/2014/main" id="{990B91AE-79D4-3122-6A84-5B1C091D8F0F}"/>
+              </a:ext>
+            </a:extLst>
+          </p:cNvPr>
+          <p:cNvSpPr txBox="1"/>
+          <p:nvPr/>
+        </p:nvSpPr>
+        <p:spPr bwMode="auto">
+          <a:xfrm>
+            <a:off x="1421093" y="14485571"/>
+            <a:ext cx="8286095" cy="369332"/>
+          </a:xfrm>
+          <a:prstGeom prst="rect">
+            <a:avLst/>
+          </a:prstGeom>
+          <a:noFill/>
+          <a:ln w="9525">
+            <a:noFill/>
+            <a:miter lim="800000"/>
+            <a:headEnd/>
+            <a:tailEnd/>
+          </a:ln>
+          <a:effectLst/>
+        </p:spPr>
+        <p:txBody>
+          <a:bodyPr wrap="square" lIns="0" tIns="0" rIns="0" bIns="0" rtlCol="0" anchor="ctr">
+            <a:spAutoFit/>
+          </a:bodyPr>
+          <a:lstStyle/>
+          <a:p>
+            <a:pPr marL="455613" indent="-455613" algn="ctr" defTabSz="2952750" eaLnBrk="0" hangingPunct="0">
+              <a:spcBef>
+                <a:spcPts val="4400"/>
+              </a:spcBef>
+              <a:spcAft>
+                <a:spcPts val="0"/>
+              </a:spcAft>
+              <a:buClr>
+                <a:schemeClr val="tx2"/>
+              </a:buClr>
+            </a:pPr>
+            <a:r>
+              <a:rPr lang="en-GB" sz="2400" b="1" kern="0" dirty="0">
+                <a:solidFill>
+                  <a:schemeClr val="tx2"/>
+                </a:solidFill>
+                <a:latin typeface="Arial" panose="020B0604020202020204" pitchFamily="34" charset="0"/>
+                <a:cs typeface="Arial" panose="020B0604020202020204" pitchFamily="34" charset="0"/>
+              </a:rPr>
+              <a:t>Cartesian Space Trajectories</a:t>
+            </a:r>
+          </a:p>
+        </p:txBody>
+      </p:sp>
+      <p:sp>
+        <p:nvSpPr>
+          <p:cNvPr id="35" name="TextBox 34">
+            <a:extLst>
+              <a:ext uri="{FF2B5EF4-FFF2-40B4-BE49-F238E27FC236}">
+                <a16:creationId xmlns:a16="http://schemas.microsoft.com/office/drawing/2014/main" id="{F4F04BAD-E07B-CDD3-AA68-C17A06CBFB0C}"/>
+              </a:ext>
+            </a:extLst>
+          </p:cNvPr>
+          <p:cNvSpPr txBox="1"/>
+          <p:nvPr/>
+        </p:nvSpPr>
+        <p:spPr bwMode="auto">
+          <a:xfrm>
+            <a:off x="11802416" y="14544017"/>
+            <a:ext cx="8286095" cy="369332"/>
+          </a:xfrm>
+          <a:prstGeom prst="rect">
+            <a:avLst/>
+          </a:prstGeom>
+          <a:noFill/>
+          <a:ln w="9525">
+            <a:noFill/>
+            <a:miter lim="800000"/>
+            <a:headEnd/>
+            <a:tailEnd/>
+          </a:ln>
+          <a:effectLst/>
+        </p:spPr>
+        <p:txBody>
+          <a:bodyPr wrap="square" lIns="0" tIns="0" rIns="0" bIns="0" rtlCol="0" anchor="ctr">
+            <a:spAutoFit/>
+          </a:bodyPr>
+          <a:lstStyle/>
+          <a:p>
+            <a:pPr marL="455613" indent="-455613" algn="ctr" defTabSz="2952750" eaLnBrk="0" hangingPunct="0">
+              <a:spcBef>
+                <a:spcPts val="4400"/>
+              </a:spcBef>
+              <a:spcAft>
+                <a:spcPts val="0"/>
+              </a:spcAft>
+              <a:buClr>
+                <a:schemeClr val="tx2"/>
+              </a:buClr>
+            </a:pPr>
+            <a:r>
+              <a:rPr lang="en-GB" sz="2400" b="1" kern="0" dirty="0">
+                <a:solidFill>
+                  <a:schemeClr val="tx2"/>
+                </a:solidFill>
+                <a:latin typeface="Arial" panose="020B0604020202020204" pitchFamily="34" charset="0"/>
+                <a:cs typeface="Arial" panose="020B0604020202020204" pitchFamily="34" charset="0"/>
+              </a:rPr>
+              <a:t>Cartesian Space Trajectories</a:t>
+            </a:r>
+          </a:p>
+        </p:txBody>
+      </p:sp>
+      <p:sp>
+        <p:nvSpPr>
+          <p:cNvPr id="36" name="Rectangle 35">
+            <a:extLst>
+              <a:ext uri="{FF2B5EF4-FFF2-40B4-BE49-F238E27FC236}">
+                <a16:creationId xmlns:a16="http://schemas.microsoft.com/office/drawing/2014/main" id="{10FC072A-D7CC-26C7-5A84-660CE2482239}"/>
+              </a:ext>
+            </a:extLst>
+          </p:cNvPr>
+          <p:cNvSpPr/>
+          <p:nvPr/>
+        </p:nvSpPr>
+        <p:spPr bwMode="auto">
+          <a:xfrm>
+            <a:off x="15040589" y="14485117"/>
+            <a:ext cx="2037736" cy="136283"/>
+          </a:xfrm>
+          <a:prstGeom prst="rect">
+            <a:avLst/>
+          </a:prstGeom>
+          <a:solidFill>
+            <a:srgbClr val="E6E6E6"/>
+          </a:solidFill>
+          <a:ln w="9525" cap="flat" cmpd="sng" algn="ctr">
+            <a:noFill/>
+            <a:prstDash val="solid"/>
+            <a:round/>
+            <a:headEnd type="none" w="med" len="med"/>
+            <a:tailEnd type="none" w="med" len="med"/>
+          </a:ln>
+          <a:effectLst/>
+        </p:spPr>
+        <p:txBody>
+          <a:bodyPr vert="horz" wrap="none" lIns="91440" tIns="45720" rIns="91440" bIns="45720" numCol="1" rtlCol="0" anchor="ctr" anchorCtr="0" compatLnSpc="1">
+            <a:prstTxWarp prst="textNoShape">
+              <a:avLst/>
+            </a:prstTxWarp>
+          </a:bodyPr>
+          <a:lstStyle/>
+          <a:p>
+            <a:pPr marL="0" marR="0" indent="0" algn="l" defTabSz="2952750" rtl="0" eaLnBrk="1" fontAlgn="base" latinLnBrk="0" hangingPunct="1">
+              <a:lnSpc>
+                <a:spcPct val="100000"/>
+              </a:lnSpc>
+              <a:spcBef>
+                <a:spcPct val="0"/>
+              </a:spcBef>
+              <a:spcAft>
+                <a:spcPct val="0"/>
+              </a:spcAft>
+              <a:buClrTx/>
+              <a:buSzTx/>
+              <a:buFontTx/>
+              <a:buNone/>
+              <a:tabLst/>
+            </a:pPr>
+            <a:endParaRPr kumimoji="0" lang="en-GB" sz="1300" b="0" i="0" u="none" strike="noStrike" cap="none" normalizeH="0" baseline="0">
+              <a:ln>
+                <a:noFill/>
+              </a:ln>
+              <a:solidFill>
+                <a:schemeClr val="tx1"/>
+              </a:solidFill>
+              <a:effectLst/>
+              <a:latin typeface="Rdg Vesta" pitchFamily="2" charset="0"/>
+            </a:endParaRPr>
+          </a:p>
+        </p:txBody>
+      </p:sp>
+      <p:sp>
+        <p:nvSpPr>
+          <p:cNvPr id="37" name="Rectangle 36">
+            <a:extLst>
+              <a:ext uri="{FF2B5EF4-FFF2-40B4-BE49-F238E27FC236}">
+                <a16:creationId xmlns:a16="http://schemas.microsoft.com/office/drawing/2014/main" id="{A9A9820E-2BE1-38A3-7418-5315F0C5088B}"/>
+              </a:ext>
+            </a:extLst>
+          </p:cNvPr>
+          <p:cNvSpPr/>
+          <p:nvPr/>
+        </p:nvSpPr>
+        <p:spPr bwMode="auto">
+          <a:xfrm>
+            <a:off x="4623346" y="23582316"/>
+            <a:ext cx="2037736" cy="136283"/>
+          </a:xfrm>
+          <a:prstGeom prst="rect">
+            <a:avLst/>
+          </a:prstGeom>
+          <a:solidFill>
+            <a:srgbClr val="C8C8C8"/>
+          </a:solidFill>
+          <a:ln w="9525" cap="flat" cmpd="sng" algn="ctr">
+            <a:noFill/>
+            <a:prstDash val="solid"/>
+            <a:round/>
+            <a:headEnd type="none" w="med" len="med"/>
+            <a:tailEnd type="none" w="med" len="med"/>
+          </a:ln>
+          <a:effectLst/>
+        </p:spPr>
+        <p:txBody>
+          <a:bodyPr vert="horz" wrap="none" lIns="91440" tIns="45720" rIns="91440" bIns="45720" numCol="1" rtlCol="0" anchor="ctr" anchorCtr="0" compatLnSpc="1">
+            <a:prstTxWarp prst="textNoShape">
+              <a:avLst/>
+            </a:prstTxWarp>
+          </a:bodyPr>
+          <a:lstStyle/>
+          <a:p>
+            <a:pPr marL="0" marR="0" indent="0" algn="l" defTabSz="2952750" rtl="0" eaLnBrk="1" fontAlgn="base" latinLnBrk="0" hangingPunct="1">
+              <a:lnSpc>
+                <a:spcPct val="100000"/>
+              </a:lnSpc>
+              <a:spcBef>
+                <a:spcPct val="0"/>
+              </a:spcBef>
+              <a:spcAft>
+                <a:spcPct val="0"/>
+              </a:spcAft>
+              <a:buClrTx/>
+              <a:buSzTx/>
+              <a:buFontTx/>
+              <a:buNone/>
+              <a:tabLst/>
+            </a:pPr>
+            <a:endParaRPr kumimoji="0" lang="en-GB" sz="1300" b="0" i="0" u="none" strike="noStrike" cap="none" normalizeH="0" baseline="0" dirty="0">
+              <a:ln>
+                <a:noFill/>
+              </a:ln>
+              <a:solidFill>
+                <a:schemeClr val="tx1"/>
+              </a:solidFill>
+              <a:effectLst/>
+              <a:latin typeface="Rdg Vesta" pitchFamily="2" charset="0"/>
+            </a:endParaRPr>
+          </a:p>
+        </p:txBody>
+      </p:sp>
+      <p:sp>
+        <p:nvSpPr>
+          <p:cNvPr id="38" name="Rectangle 37">
+            <a:extLst>
+              <a:ext uri="{FF2B5EF4-FFF2-40B4-BE49-F238E27FC236}">
+                <a16:creationId xmlns:a16="http://schemas.microsoft.com/office/drawing/2014/main" id="{B0EF045B-2DC0-6624-6D27-99508781F580}"/>
+              </a:ext>
+            </a:extLst>
+          </p:cNvPr>
+          <p:cNvSpPr/>
+          <p:nvPr/>
+        </p:nvSpPr>
+        <p:spPr bwMode="auto">
+          <a:xfrm>
+            <a:off x="15040589" y="23582316"/>
+            <a:ext cx="2037736" cy="101597"/>
+          </a:xfrm>
+          <a:prstGeom prst="rect">
+            <a:avLst/>
+          </a:prstGeom>
+          <a:solidFill>
+            <a:srgbClr val="C8C8C8"/>
+          </a:solidFill>
+          <a:ln w="9525" cap="flat" cmpd="sng" algn="ctr">
+            <a:noFill/>
+            <a:prstDash val="solid"/>
+            <a:round/>
+            <a:headEnd type="none" w="med" len="med"/>
+            <a:tailEnd type="none" w="med" len="med"/>
+          </a:ln>
+          <a:effectLst/>
+        </p:spPr>
+        <p:txBody>
+          <a:bodyPr vert="horz" wrap="none" lIns="91440" tIns="45720" rIns="91440" bIns="45720" numCol="1" rtlCol="0" anchor="ctr" anchorCtr="0" compatLnSpc="1">
+            <a:prstTxWarp prst="textNoShape">
+              <a:avLst/>
+            </a:prstTxWarp>
+          </a:bodyPr>
+          <a:lstStyle/>
+          <a:p>
+            <a:pPr marL="0" marR="0" indent="0" algn="l" defTabSz="2952750" rtl="0" eaLnBrk="1" fontAlgn="base" latinLnBrk="0" hangingPunct="1">
+              <a:lnSpc>
+                <a:spcPct val="100000"/>
+              </a:lnSpc>
+              <a:spcBef>
+                <a:spcPct val="0"/>
+              </a:spcBef>
+              <a:spcAft>
+                <a:spcPct val="0"/>
+              </a:spcAft>
+              <a:buClrTx/>
+              <a:buSzTx/>
+              <a:buFontTx/>
+              <a:buNone/>
+              <a:tabLst/>
+            </a:pPr>
+            <a:endParaRPr kumimoji="0" lang="en-GB" sz="1300" b="0" i="0" u="none" strike="noStrike" cap="none" normalizeH="0" baseline="0" dirty="0">
+              <a:ln>
+                <a:noFill/>
+              </a:ln>
+              <a:solidFill>
+                <a:schemeClr val="tx1"/>
+              </a:solidFill>
+              <a:effectLst/>
+              <a:latin typeface="Rdg Vesta" pitchFamily="2" charset="0"/>
+            </a:endParaRPr>
+          </a:p>
+        </p:txBody>
+      </p:sp>
     </p:spTree>
     <p:extLst>
       <p:ext uri="{BB962C8B-B14F-4D97-AF65-F5344CB8AC3E}">

--- a/October2025/Edinburgh_Manipulator.pptx
+++ b/October2025/Edinburgh_Manipulator.pptx
@@ -15294,7 +15294,7 @@
                 <a:latin typeface="Arial" panose="020B0604020202020204" pitchFamily="34" charset="0"/>
                 <a:cs typeface="Arial" panose="020B0604020202020204" pitchFamily="34" charset="0"/>
               </a:rPr>
-              <a:t>Figure 1:</a:t>
+              <a:t>Figure 2:</a:t>
             </a:r>
             <a:r>
               <a:rPr lang="en-US" sz="1800" kern="0" dirty="0">
@@ -15383,7 +15383,7 @@
                 <a:latin typeface="Arial" panose="020B0604020202020204" pitchFamily="34" charset="0"/>
                 <a:cs typeface="Arial" panose="020B0604020202020204" pitchFamily="34" charset="0"/>
               </a:rPr>
-              <a:t>Figure 3:</a:t>
+              <a:t>Figure 4:</a:t>
             </a:r>
             <a:r>
               <a:rPr lang="en-US" sz="1400" i="1" kern="0" dirty="0">
@@ -15462,7 +15462,7 @@
                 <a:latin typeface="Arial" panose="020B0604020202020204" pitchFamily="34" charset="0"/>
                 <a:cs typeface="Arial" panose="020B0604020202020204" pitchFamily="34" charset="0"/>
               </a:rPr>
-              <a:t>Figure 4: </a:t>
+              <a:t>Figure 5: </a:t>
             </a:r>
             <a:r>
               <a:rPr lang="en-US" sz="1800" i="1" kern="0" dirty="0">
@@ -15534,14 +15534,14 @@
               </a:buClr>
             </a:pPr>
             <a:r>
-              <a:rPr lang="en-US" sz="1800" b="1" kern="0" dirty="0">
+              <a:rPr lang="en-US" sz="1800" b="1" kern="0">
                 <a:solidFill>
                   <a:schemeClr val="accent1"/>
                 </a:solidFill>
                 <a:latin typeface="Arial" panose="020B0604020202020204" pitchFamily="34" charset="0"/>
                 <a:cs typeface="Arial" panose="020B0604020202020204" pitchFamily="34" charset="0"/>
               </a:rPr>
-              <a:t>Figure 5: </a:t>
+              <a:t>Figure 6: </a:t>
             </a:r>
             <a:r>
               <a:rPr lang="en-US" sz="1800" i="1" kern="0" dirty="0">
@@ -16494,78 +16494,6 @@
           </a:p>
         </p:txBody>
       </p:sp>
-      <p:pic>
-        <p:nvPicPr>
-          <p:cNvPr id="34" name="Picture 33" descr="A screenshot of a graph&#10;&#10;AI-generated content may be incorrect.">
-            <a:extLst>
-              <a:ext uri="{FF2B5EF4-FFF2-40B4-BE49-F238E27FC236}">
-                <a16:creationId xmlns:a16="http://schemas.microsoft.com/office/drawing/2014/main" id="{EDB5CE29-BA8E-2825-4F49-580F3BA6F4A5}"/>
-              </a:ext>
-            </a:extLst>
-          </p:cNvPr>
-          <p:cNvPicPr>
-            <a:picLocks noChangeAspect="1"/>
-          </p:cNvPicPr>
-          <p:nvPr/>
-        </p:nvPicPr>
-        <p:blipFill>
-          <a:blip r:embed="rId3" cstate="print">
-            <a:extLst>
-              <a:ext uri="{28A0092B-C50C-407E-A947-70E740481C1C}">
-                <a14:useLocalDpi xmlns:a14="http://schemas.microsoft.com/office/drawing/2010/main" val="0"/>
-              </a:ext>
-            </a:extLst>
-          </a:blip>
-          <a:stretch>
-            <a:fillRect/>
-          </a:stretch>
-        </p:blipFill>
-        <p:spPr>
-          <a:xfrm>
-            <a:off x="815811" y="23586087"/>
-            <a:ext cx="9311509" cy="4165592"/>
-          </a:xfrm>
-          <a:prstGeom prst="roundRect">
-            <a:avLst/>
-          </a:prstGeom>
-        </p:spPr>
-      </p:pic>
-      <p:pic>
-        <p:nvPicPr>
-          <p:cNvPr id="41" name="Picture 40" descr="A screenshot of a graph&#10;&#10;AI-generated content may be incorrect.">
-            <a:extLst>
-              <a:ext uri="{FF2B5EF4-FFF2-40B4-BE49-F238E27FC236}">
-                <a16:creationId xmlns:a16="http://schemas.microsoft.com/office/drawing/2014/main" id="{3871F032-6AC3-D5E2-3E93-50EF8F47621E}"/>
-              </a:ext>
-            </a:extLst>
-          </p:cNvPr>
-          <p:cNvPicPr>
-            <a:picLocks noChangeAspect="1"/>
-          </p:cNvPicPr>
-          <p:nvPr/>
-        </p:nvPicPr>
-        <p:blipFill>
-          <a:blip r:embed="rId4" cstate="print">
-            <a:extLst>
-              <a:ext uri="{28A0092B-C50C-407E-A947-70E740481C1C}">
-                <a14:useLocalDpi xmlns:a14="http://schemas.microsoft.com/office/drawing/2010/main" val="0"/>
-              </a:ext>
-            </a:extLst>
-          </a:blip>
-          <a:stretch>
-            <a:fillRect/>
-          </a:stretch>
-        </p:blipFill>
-        <p:spPr>
-          <a:xfrm>
-            <a:off x="11304354" y="23586087"/>
-            <a:ext cx="9134316" cy="4165592"/>
-          </a:xfrm>
-          <a:prstGeom prst="roundRect">
-            <a:avLst/>
-          </a:prstGeom>
-        </p:spPr>
-      </p:pic>
       <p:sp>
         <p:nvSpPr>
           <p:cNvPr id="21" name="TextBox 20">
@@ -16623,7 +16551,7 @@
                 <a:latin typeface="Arial" panose="020B0604020202020204" pitchFamily="34" charset="0"/>
                 <a:cs typeface="Arial" panose="020B0604020202020204" pitchFamily="34" charset="0"/>
               </a:rPr>
-              <a:t>Figure 2</a:t>
+              <a:t>Figure 3</a:t>
             </a:r>
             <a:r>
               <a:rPr lang="en-US" sz="1600" b="1" i="1" kern="0" dirty="0">
@@ -16655,78 +16583,6 @@
           </a:p>
         </p:txBody>
       </p:sp>
-      <p:pic>
-        <p:nvPicPr>
-          <p:cNvPr id="10" name="Picture 9" descr="A graph of a graph&#10;&#10;AI-generated content may be incorrect.">
-            <a:extLst>
-              <a:ext uri="{FF2B5EF4-FFF2-40B4-BE49-F238E27FC236}">
-                <a16:creationId xmlns:a16="http://schemas.microsoft.com/office/drawing/2014/main" id="{63E2021C-408C-C5AC-DA16-2B03B5D3676E}"/>
-              </a:ext>
-            </a:extLst>
-          </p:cNvPr>
-          <p:cNvPicPr>
-            <a:picLocks noChangeAspect="1"/>
-          </p:cNvPicPr>
-          <p:nvPr/>
-        </p:nvPicPr>
-        <p:blipFill>
-          <a:blip r:embed="rId5" cstate="print">
-            <a:extLst>
-              <a:ext uri="{28A0092B-C50C-407E-A947-70E740481C1C}">
-                <a14:useLocalDpi xmlns:a14="http://schemas.microsoft.com/office/drawing/2010/main" val="0"/>
-              </a:ext>
-            </a:extLst>
-          </a:blip>
-          <a:stretch>
-            <a:fillRect/>
-          </a:stretch>
-        </p:blipFill>
-        <p:spPr>
-          <a:xfrm>
-            <a:off x="11304354" y="14485258"/>
-            <a:ext cx="8986408" cy="5229748"/>
-          </a:xfrm>
-          <a:prstGeom prst="rect">
-            <a:avLst/>
-          </a:prstGeom>
-        </p:spPr>
-      </p:pic>
-      <p:pic>
-        <p:nvPicPr>
-          <p:cNvPr id="17" name="Picture 16" descr="A diagram of a graph&#10;&#10;AI-generated content may be incorrect.">
-            <a:extLst>
-              <a:ext uri="{FF2B5EF4-FFF2-40B4-BE49-F238E27FC236}">
-                <a16:creationId xmlns:a16="http://schemas.microsoft.com/office/drawing/2014/main" id="{8658F301-883E-84B6-5F3F-2D90AE9A65A2}"/>
-              </a:ext>
-            </a:extLst>
-          </p:cNvPr>
-          <p:cNvPicPr>
-            <a:picLocks noChangeAspect="1"/>
-          </p:cNvPicPr>
-          <p:nvPr/>
-        </p:nvPicPr>
-        <p:blipFill>
-          <a:blip r:embed="rId6" cstate="print">
-            <a:extLst>
-              <a:ext uri="{28A0092B-C50C-407E-A947-70E740481C1C}">
-                <a14:useLocalDpi xmlns:a14="http://schemas.microsoft.com/office/drawing/2010/main" val="0"/>
-              </a:ext>
-            </a:extLst>
-          </a:blip>
-          <a:stretch>
-            <a:fillRect/>
-          </a:stretch>
-        </p:blipFill>
-        <p:spPr>
-          <a:xfrm>
-            <a:off x="901251" y="14438173"/>
-            <a:ext cx="9057227" cy="5300117"/>
-          </a:xfrm>
-          <a:prstGeom prst="rect">
-            <a:avLst/>
-          </a:prstGeom>
-        </p:spPr>
-      </p:pic>
       <p:graphicFrame>
         <p:nvGraphicFramePr>
           <p:cNvPr id="23" name="Table 22">
@@ -17904,7 +17760,7 @@
           <p:nvPr/>
         </p:nvPicPr>
         <p:blipFill>
-          <a:blip r:embed="rId7" cstate="print">
+          <a:blip r:embed="rId3" cstate="print">
             <a:extLst>
               <a:ext uri="{28A0092B-C50C-407E-A947-70E740481C1C}">
                 <a14:useLocalDpi xmlns:a14="http://schemas.microsoft.com/office/drawing/2010/main" val="0"/>
@@ -17940,7 +17796,7 @@
           <p:nvPr/>
         </p:nvPicPr>
         <p:blipFill>
-          <a:blip r:embed="rId8" cstate="print">
+          <a:blip r:embed="rId4" cstate="print">
             <a:extLst>
               <a:ext uri="{28A0092B-C50C-407E-A947-70E740481C1C}">
                 <a14:useLocalDpi xmlns:a14="http://schemas.microsoft.com/office/drawing/2010/main" val="0"/>
@@ -17963,75 +17819,6 @@
       </p:pic>
       <p:sp>
         <p:nvSpPr>
-          <p:cNvPr id="33" name="Rectangle 32">
-            <a:extLst>
-              <a:ext uri="{FF2B5EF4-FFF2-40B4-BE49-F238E27FC236}">
-                <a16:creationId xmlns:a16="http://schemas.microsoft.com/office/drawing/2014/main" id="{E3F56285-ED23-6671-F1B7-F67740541123}"/>
-              </a:ext>
-            </a:extLst>
-          </p:cNvPr>
-          <p:cNvSpPr/>
-          <p:nvPr/>
-        </p:nvSpPr>
-        <p:spPr bwMode="auto">
-          <a:xfrm>
-            <a:off x="4695825" y="14438173"/>
-            <a:ext cx="1809750" cy="163652"/>
-          </a:xfrm>
-          <a:prstGeom prst="rect">
-            <a:avLst/>
-          </a:prstGeom>
-          <a:solidFill>
-            <a:srgbClr val="E6E6E6"/>
-          </a:solidFill>
-          <a:ln w="9525" cap="flat" cmpd="sng" algn="ctr">
-            <a:noFill/>
-            <a:prstDash val="solid"/>
-            <a:round/>
-            <a:headEnd type="none" w="med" len="med"/>
-            <a:tailEnd type="none" w="med" len="med"/>
-          </a:ln>
-          <a:effectLst/>
-        </p:spPr>
-        <p:txBody>
-          <a:bodyPr vert="horz" wrap="none" lIns="91440" tIns="45720" rIns="91440" bIns="45720" numCol="1" rtlCol="0" anchor="ctr" anchorCtr="0" compatLnSpc="1">
-            <a:prstTxWarp prst="textNoShape">
-              <a:avLst/>
-            </a:prstTxWarp>
-          </a:bodyPr>
-          <a:lstStyle/>
-          <a:p>
-            <a:pPr marL="0" marR="0" indent="0" algn="l" defTabSz="2952750" rtl="0" eaLnBrk="1" fontAlgn="base" latinLnBrk="0" hangingPunct="1">
-              <a:lnSpc>
-                <a:spcPct val="100000"/>
-              </a:lnSpc>
-              <a:spcBef>
-                <a:spcPct val="0"/>
-              </a:spcBef>
-              <a:spcAft>
-                <a:spcPct val="0"/>
-              </a:spcAft>
-              <a:buClrTx/>
-              <a:buSzTx/>
-              <a:buFontTx/>
-              <a:buNone/>
-              <a:tabLst/>
-            </a:pPr>
-            <a:endParaRPr kumimoji="0" lang="en-GB" sz="1300" b="0" i="0" u="none" strike="noStrike" cap="none" normalizeH="0" baseline="0">
-              <a:ln>
-                <a:noFill/>
-              </a:ln>
-              <a:solidFill>
-                <a:schemeClr val="tx1"/>
-              </a:solidFill>
-              <a:effectLst/>
-              <a:latin typeface="Rdg Vesta" pitchFamily="2" charset="0"/>
-            </a:endParaRPr>
-          </a:p>
-        </p:txBody>
-      </p:sp>
-      <p:sp>
-        <p:nvSpPr>
           <p:cNvPr id="32" name="TextBox 31">
             <a:extLst>
               <a:ext uri="{FF2B5EF4-FFF2-40B4-BE49-F238E27FC236}">
@@ -18044,7 +17831,7 @@
         </p:nvSpPr>
         <p:spPr bwMode="auto">
           <a:xfrm>
-            <a:off x="1421093" y="14485571"/>
+            <a:off x="1330108" y="14349725"/>
             <a:ext cx="8286095" cy="369332"/>
           </a:xfrm>
           <a:prstGeom prst="rect">
@@ -18103,7 +17890,7 @@
         </p:nvSpPr>
         <p:spPr bwMode="auto">
           <a:xfrm>
-            <a:off x="11802416" y="14544017"/>
+            <a:off x="11772185" y="14330575"/>
             <a:ext cx="8286095" cy="369332"/>
           </a:xfrm>
           <a:prstGeom prst="rect">
@@ -18145,75 +17932,6 @@
               </a:rPr>
               <a:t>Cartesian Space Trajectories</a:t>
             </a:r>
-          </a:p>
-        </p:txBody>
-      </p:sp>
-      <p:sp>
-        <p:nvSpPr>
-          <p:cNvPr id="36" name="Rectangle 35">
-            <a:extLst>
-              <a:ext uri="{FF2B5EF4-FFF2-40B4-BE49-F238E27FC236}">
-                <a16:creationId xmlns:a16="http://schemas.microsoft.com/office/drawing/2014/main" id="{10FC072A-D7CC-26C7-5A84-660CE2482239}"/>
-              </a:ext>
-            </a:extLst>
-          </p:cNvPr>
-          <p:cNvSpPr/>
-          <p:nvPr/>
-        </p:nvSpPr>
-        <p:spPr bwMode="auto">
-          <a:xfrm>
-            <a:off x="15040589" y="14485117"/>
-            <a:ext cx="2037736" cy="136283"/>
-          </a:xfrm>
-          <a:prstGeom prst="rect">
-            <a:avLst/>
-          </a:prstGeom>
-          <a:solidFill>
-            <a:srgbClr val="E6E6E6"/>
-          </a:solidFill>
-          <a:ln w="9525" cap="flat" cmpd="sng" algn="ctr">
-            <a:noFill/>
-            <a:prstDash val="solid"/>
-            <a:round/>
-            <a:headEnd type="none" w="med" len="med"/>
-            <a:tailEnd type="none" w="med" len="med"/>
-          </a:ln>
-          <a:effectLst/>
-        </p:spPr>
-        <p:txBody>
-          <a:bodyPr vert="horz" wrap="none" lIns="91440" tIns="45720" rIns="91440" bIns="45720" numCol="1" rtlCol="0" anchor="ctr" anchorCtr="0" compatLnSpc="1">
-            <a:prstTxWarp prst="textNoShape">
-              <a:avLst/>
-            </a:prstTxWarp>
-          </a:bodyPr>
-          <a:lstStyle/>
-          <a:p>
-            <a:pPr marL="0" marR="0" indent="0" algn="l" defTabSz="2952750" rtl="0" eaLnBrk="1" fontAlgn="base" latinLnBrk="0" hangingPunct="1">
-              <a:lnSpc>
-                <a:spcPct val="100000"/>
-              </a:lnSpc>
-              <a:spcBef>
-                <a:spcPct val="0"/>
-              </a:spcBef>
-              <a:spcAft>
-                <a:spcPct val="0"/>
-              </a:spcAft>
-              <a:buClrTx/>
-              <a:buSzTx/>
-              <a:buFontTx/>
-              <a:buNone/>
-              <a:tabLst/>
-            </a:pPr>
-            <a:endParaRPr kumimoji="0" lang="en-GB" sz="1300" b="0" i="0" u="none" strike="noStrike" cap="none" normalizeH="0" baseline="0">
-              <a:ln>
-                <a:noFill/>
-              </a:ln>
-              <a:solidFill>
-                <a:schemeClr val="tx1"/>
-              </a:solidFill>
-              <a:effectLst/>
-              <a:latin typeface="Rdg Vesta" pitchFamily="2" charset="0"/>
-            </a:endParaRPr>
           </a:p>
         </p:txBody>
       </p:sp>
@@ -18286,71 +18004,235 @@
           </a:p>
         </p:txBody>
       </p:sp>
-      <p:sp>
-        <p:nvSpPr>
-          <p:cNvPr id="38" name="Rectangle 37">
+      <p:pic>
+        <p:nvPicPr>
+          <p:cNvPr id="3" name="Picture 2">
             <a:extLst>
               <a:ext uri="{FF2B5EF4-FFF2-40B4-BE49-F238E27FC236}">
-                <a16:creationId xmlns:a16="http://schemas.microsoft.com/office/drawing/2014/main" id="{B0EF045B-2DC0-6624-6D27-99508781F580}"/>
+                <a16:creationId xmlns:a16="http://schemas.microsoft.com/office/drawing/2014/main" id="{AC9B475B-2AEB-219B-1285-360126371384}"/>
               </a:ext>
             </a:extLst>
           </p:cNvPr>
-          <p:cNvSpPr/>
+          <p:cNvPicPr>
+            <a:picLocks noChangeAspect="1"/>
+          </p:cNvPicPr>
+          <p:nvPr/>
+        </p:nvPicPr>
+        <p:blipFill>
+          <a:blip r:embed="rId5" cstate="print">
+            <a:extLst>
+              <a:ext uri="{28A0092B-C50C-407E-A947-70E740481C1C}">
+                <a14:useLocalDpi xmlns:a14="http://schemas.microsoft.com/office/drawing/2010/main" val="0"/>
+              </a:ext>
+            </a:extLst>
+          </a:blip>
+          <a:stretch>
+            <a:fillRect/>
+          </a:stretch>
+        </p:blipFill>
+        <p:spPr>
+          <a:xfrm>
+            <a:off x="749131" y="23185047"/>
+            <a:ext cx="9281576" cy="4683269"/>
+          </a:xfrm>
+          <a:prstGeom prst="rect">
+            <a:avLst/>
+          </a:prstGeom>
+        </p:spPr>
+      </p:pic>
+      <p:pic>
+        <p:nvPicPr>
+          <p:cNvPr id="6" name="Picture 5">
+            <a:extLst>
+              <a:ext uri="{FF2B5EF4-FFF2-40B4-BE49-F238E27FC236}">
+                <a16:creationId xmlns:a16="http://schemas.microsoft.com/office/drawing/2014/main" id="{F053BF56-01F9-302A-C60B-6927E690E0D8}"/>
+              </a:ext>
+            </a:extLst>
+          </p:cNvPr>
+          <p:cNvPicPr>
+            <a:picLocks noChangeAspect="1"/>
+          </p:cNvPicPr>
+          <p:nvPr/>
+        </p:nvPicPr>
+        <p:blipFill>
+          <a:blip r:embed="rId6" cstate="print">
+            <a:extLst>
+              <a:ext uri="{28A0092B-C50C-407E-A947-70E740481C1C}">
+                <a14:useLocalDpi xmlns:a14="http://schemas.microsoft.com/office/drawing/2010/main" val="0"/>
+              </a:ext>
+            </a:extLst>
+          </a:blip>
+          <a:stretch>
+            <a:fillRect/>
+          </a:stretch>
+        </p:blipFill>
+        <p:spPr>
+          <a:xfrm>
+            <a:off x="11376067" y="23451984"/>
+            <a:ext cx="9263190" cy="4456820"/>
+          </a:xfrm>
+          <a:prstGeom prst="rect">
+            <a:avLst/>
+          </a:prstGeom>
+        </p:spPr>
+      </p:pic>
+      <p:pic>
+        <p:nvPicPr>
+          <p:cNvPr id="16" name="Picture 15">
+            <a:extLst>
+              <a:ext uri="{FF2B5EF4-FFF2-40B4-BE49-F238E27FC236}">
+                <a16:creationId xmlns:a16="http://schemas.microsoft.com/office/drawing/2014/main" id="{A62F0AC8-C8B3-098E-EC88-AF700255C4A0}"/>
+              </a:ext>
+            </a:extLst>
+          </p:cNvPr>
+          <p:cNvPicPr>
+            <a:picLocks noChangeAspect="1"/>
+          </p:cNvPicPr>
+          <p:nvPr/>
+        </p:nvPicPr>
+        <p:blipFill>
+          <a:blip r:embed="rId7" cstate="print">
+            <a:extLst>
+              <a:ext uri="{28A0092B-C50C-407E-A947-70E740481C1C}">
+                <a14:useLocalDpi xmlns:a14="http://schemas.microsoft.com/office/drawing/2010/main" val="0"/>
+              </a:ext>
+            </a:extLst>
+          </a:blip>
+          <a:stretch>
+            <a:fillRect/>
+          </a:stretch>
+        </p:blipFill>
+        <p:spPr>
+          <a:xfrm>
+            <a:off x="11304355" y="14913293"/>
+            <a:ext cx="9094150" cy="4881612"/>
+          </a:xfrm>
+          <a:prstGeom prst="rect">
+            <a:avLst/>
+          </a:prstGeom>
+        </p:spPr>
+      </p:pic>
+      <p:pic>
+        <p:nvPicPr>
+          <p:cNvPr id="31" name="Picture 30">
+            <a:extLst>
+              <a:ext uri="{FF2B5EF4-FFF2-40B4-BE49-F238E27FC236}">
+                <a16:creationId xmlns:a16="http://schemas.microsoft.com/office/drawing/2014/main" id="{F38CC0F0-8EAF-BD0D-487F-33601B077CD5}"/>
+              </a:ext>
+            </a:extLst>
+          </p:cNvPr>
+          <p:cNvPicPr>
+            <a:picLocks noChangeAspect="1"/>
+          </p:cNvPicPr>
+          <p:nvPr/>
+        </p:nvPicPr>
+        <p:blipFill>
+          <a:blip r:embed="rId8" cstate="print">
+            <a:extLst>
+              <a:ext uri="{28A0092B-C50C-407E-A947-70E740481C1C}">
+                <a14:useLocalDpi xmlns:a14="http://schemas.microsoft.com/office/drawing/2010/main" val="0"/>
+              </a:ext>
+            </a:extLst>
+          </a:blip>
+          <a:stretch>
+            <a:fillRect/>
+          </a:stretch>
+        </p:blipFill>
+        <p:spPr>
+          <a:xfrm>
+            <a:off x="850668" y="14840411"/>
+            <a:ext cx="9330355" cy="4847856"/>
+          </a:xfrm>
+          <a:prstGeom prst="rect">
+            <a:avLst/>
+          </a:prstGeom>
+        </p:spPr>
+      </p:pic>
+      <p:sp>
+        <p:nvSpPr>
+          <p:cNvPr id="39" name="TextBox 38">
+            <a:extLst>
+              <a:ext uri="{FF2B5EF4-FFF2-40B4-BE49-F238E27FC236}">
+                <a16:creationId xmlns:a16="http://schemas.microsoft.com/office/drawing/2014/main" id="{E812D8ED-7AC9-FC07-062E-7BF1349E7EC3}"/>
+              </a:ext>
+            </a:extLst>
+          </p:cNvPr>
+          <p:cNvSpPr txBox="1"/>
           <p:nvPr/>
         </p:nvSpPr>
         <p:spPr bwMode="auto">
           <a:xfrm>
-            <a:off x="15040589" y="23582316"/>
-            <a:ext cx="2037736" cy="101597"/>
+            <a:off x="2595250" y="12957921"/>
+            <a:ext cx="4056191" cy="270715"/>
           </a:xfrm>
           <a:prstGeom prst="rect">
             <a:avLst/>
           </a:prstGeom>
-          <a:solidFill>
-            <a:srgbClr val="C8C8C8"/>
-          </a:solidFill>
-          <a:ln w="9525" cap="flat" cmpd="sng" algn="ctr">
+          <a:noFill/>
+          <a:ln w="9525">
             <a:noFill/>
-            <a:prstDash val="solid"/>
-            <a:round/>
-            <a:headEnd type="none" w="med" len="med"/>
-            <a:tailEnd type="none" w="med" len="med"/>
+            <a:miter lim="800000"/>
+            <a:headEnd/>
+            <a:tailEnd/>
           </a:ln>
           <a:effectLst/>
         </p:spPr>
         <p:txBody>
-          <a:bodyPr vert="horz" wrap="none" lIns="91440" tIns="45720" rIns="91440" bIns="45720" numCol="1" rtlCol="0" anchor="ctr" anchorCtr="0" compatLnSpc="1">
-            <a:prstTxWarp prst="textNoShape">
-              <a:avLst/>
-            </a:prstTxWarp>
+          <a:bodyPr wrap="square" lIns="0" tIns="0" rIns="0" bIns="0" rtlCol="0">
+            <a:spAutoFit/>
           </a:bodyPr>
           <a:lstStyle/>
           <a:p>
-            <a:pPr marL="0" marR="0" indent="0" algn="l" defTabSz="2952750" rtl="0" eaLnBrk="1" fontAlgn="base" latinLnBrk="0" hangingPunct="1">
+            <a:pPr marL="455613" indent="-455613" algn="l" defTabSz="2952750" eaLnBrk="0" hangingPunct="0">
               <a:lnSpc>
-                <a:spcPct val="100000"/>
+                <a:spcPct val="105000"/>
               </a:lnSpc>
               <a:spcBef>
-                <a:spcPct val="0"/>
+                <a:spcPts val="4400"/>
               </a:spcBef>
               <a:spcAft>
-                <a:spcPct val="0"/>
+                <a:spcPts val="0"/>
               </a:spcAft>
-              <a:buClrTx/>
-              <a:buSzTx/>
-              <a:buFontTx/>
-              <a:buNone/>
-              <a:tabLst/>
+              <a:buClr>
+                <a:schemeClr val="tx2"/>
+              </a:buClr>
             </a:pPr>
-            <a:endParaRPr kumimoji="0" lang="en-GB" sz="1300" b="0" i="0" u="none" strike="noStrike" cap="none" normalizeH="0" baseline="0" dirty="0">
-              <a:ln>
-                <a:noFill/>
-              </a:ln>
+            <a:r>
+              <a:rPr lang="en-US" sz="1800" b="1" kern="0" dirty="0">
+                <a:solidFill>
+                  <a:schemeClr val="accent1"/>
+                </a:solidFill>
+                <a:latin typeface="Arial" panose="020B0604020202020204" pitchFamily="34" charset="0"/>
+                <a:cs typeface="Arial" panose="020B0604020202020204" pitchFamily="34" charset="0"/>
+              </a:rPr>
+              <a:t>Figure 1:</a:t>
+            </a:r>
+            <a:r>
+              <a:rPr lang="en-US" sz="1800" kern="0" dirty="0">
+                <a:solidFill>
+                  <a:schemeClr val="accent1"/>
+                </a:solidFill>
+                <a:latin typeface="Arial" panose="020B0604020202020204" pitchFamily="34" charset="0"/>
+                <a:cs typeface="Arial" panose="020B0604020202020204" pitchFamily="34" charset="0"/>
+              </a:rPr>
+              <a:t> </a:t>
+            </a:r>
+            <a:r>
+              <a:rPr lang="en-US" sz="1800" i="1" kern="0" dirty="0">
+                <a:solidFill>
+                  <a:schemeClr val="accent1"/>
+                </a:solidFill>
+                <a:latin typeface="Arial" panose="020B0604020202020204" pitchFamily="34" charset="0"/>
+                <a:cs typeface="Arial" panose="020B0604020202020204" pitchFamily="34" charset="0"/>
+              </a:rPr>
+              <a:t>Physical Robot</a:t>
+            </a:r>
+            <a:endParaRPr lang="en-GB" sz="1800" i="1" kern="0" dirty="0">
               <a:solidFill>
-                <a:schemeClr val="tx1"/>
+                <a:schemeClr val="accent1"/>
               </a:solidFill>
-              <a:effectLst/>
-              <a:latin typeface="Rdg Vesta" pitchFamily="2" charset="0"/>
+              <a:latin typeface="Arial" panose="020B0604020202020204" pitchFamily="34" charset="0"/>
+              <a:cs typeface="Arial" panose="020B0604020202020204" pitchFamily="34" charset="0"/>
             </a:endParaRPr>
           </a:p>
         </p:txBody>
